--- a/php-fw3/lesson3.pptx
+++ b/php-fw3/lesson3.pptx
@@ -148,7 +148,7 @@
   </p:defaultTextStyle>
   <p:extLst>
     <p:ext uri="{EFAFB233-063F-42B5-8137-9DF3F51BA10A}">
-      <p15:sldGuideLst xmlns:p15="http://schemas.microsoft.com/office/powerpoint/2012/main">
+      <p15:sldGuideLst xmlns:p15="http://schemas.microsoft.com/office/powerpoint/2012/main" xmlns="">
         <p15:guide id="1" orient="horz" pos="2160">
           <p15:clr>
             <a:srgbClr val="A4A3A4"/>
@@ -162,7 +162,7 @@
       </p15:sldGuideLst>
     </p:ext>
     <p:ext uri="{2D200454-40CA-4A62-9FC3-DE9A4176ACB9}">
-      <p15:notesGuideLst xmlns:p15="http://schemas.microsoft.com/office/powerpoint/2012/main">
+      <p15:notesGuideLst xmlns:p15="http://schemas.microsoft.com/office/powerpoint/2012/main" xmlns="">
         <p15:guide id="1" orient="horz" pos="2880">
           <p15:clr>
             <a:srgbClr val="A4A3A4"/>
@@ -404,6 +404,11 @@
         </p:txBody>
       </p:sp>
     </p:spTree>
+    <p:extLst>
+      <p:ext uri="{BB962C8B-B14F-4D97-AF65-F5344CB8AC3E}">
+        <p14:creationId xmlns:p14="http://schemas.microsoft.com/office/powerpoint/2010/main" val="3555654440"/>
+      </p:ext>
+    </p:extLst>
   </p:cSld>
   <p:clrMap bg1="lt1" tx1="dk1" bg2="lt2" tx2="dk2" accent1="accent1" accent2="accent2" accent3="accent3" accent4="accent4" accent5="accent5" accent6="accent6" hlink="hlink" folHlink="folHlink"/>
 </p:handoutMaster>
@@ -566,7 +571,7 @@
               </a14:hiddenFill>
             </a:ext>
             <a:ext uri="{FAA26D3D-D897-4be2-8F04-BA451C77F1D7}">
-              <ma14:placeholderFlag xmlns:ma14="http://schemas.microsoft.com/office/mac/drawingml/2011/main" val="1"/>
+              <ma14:placeholderFlag xmlns:ma14="http://schemas.microsoft.com/office/mac/drawingml/2011/main" xmlns="" val="1"/>
             </a:ext>
           </a:extLst>
         </p:spPr>
@@ -746,6 +751,11 @@
         </p:txBody>
       </p:sp>
     </p:spTree>
+    <p:extLst>
+      <p:ext uri="{BB962C8B-B14F-4D97-AF65-F5344CB8AC3E}">
+        <p14:creationId xmlns:p14="http://schemas.microsoft.com/office/powerpoint/2010/main" val="1711480058"/>
+      </p:ext>
+    </p:extLst>
   </p:cSld>
   <p:clrMap bg1="lt1" tx1="dk1" bg2="lt2" tx2="dk2" accent1="accent1" accent2="accent2" accent3="accent3" accent4="accent4" accent5="accent5" accent6="accent6" hlink="hlink" folHlink="folHlink"/>
   <p:notesStyle>
@@ -1103,7 +1113,7 @@
               </a14:hiddenLine>
             </a:ext>
             <a:ext uri="{FAA26D3D-D897-4be2-8F04-BA451C77F1D7}">
-              <ma14:placeholderFlag xmlns:ma14="http://schemas.microsoft.com/office/mac/drawingml/2011/main" val="1"/>
+              <ma14:placeholderFlag xmlns:ma14="http://schemas.microsoft.com/office/mac/drawingml/2011/main" xmlns="" val="1"/>
             </a:ext>
           </a:extLst>
         </p:spPr>
@@ -1353,7 +1363,7 @@
               </a14:hiddenLine>
             </a:ext>
             <a:ext uri="{FAA26D3D-D897-4be2-8F04-BA451C77F1D7}">
-              <ma14:placeholderFlag xmlns:ma14="http://schemas.microsoft.com/office/mac/drawingml/2011/main" val="1"/>
+              <ma14:placeholderFlag xmlns:ma14="http://schemas.microsoft.com/office/mac/drawingml/2011/main" xmlns="" val="1"/>
             </a:ext>
           </a:extLst>
         </p:spPr>
@@ -7431,7 +7441,7 @@
               </a14:hiddenLine>
             </a:ext>
             <a:ext uri="{FAA26D3D-D897-4be2-8F04-BA451C77F1D7}">
-              <ma14:placeholderFlag xmlns:ma14="http://schemas.microsoft.com/office/mac/drawingml/2011/main" val="1"/>
+              <ma14:placeholderFlag xmlns:ma14="http://schemas.microsoft.com/office/mac/drawingml/2011/main" xmlns="" val="1"/>
             </a:ext>
           </a:extLst>
         </p:spPr>
@@ -7492,7 +7502,7 @@
               </a14:hiddenLine>
             </a:ext>
             <a:ext uri="{FAA26D3D-D897-4be2-8F04-BA451C77F1D7}">
-              <ma14:placeholderFlag xmlns:ma14="http://schemas.microsoft.com/office/mac/drawingml/2011/main" val="1"/>
+              <ma14:placeholderFlag xmlns:ma14="http://schemas.microsoft.com/office/mac/drawingml/2011/main" xmlns="" val="1"/>
             </a:ext>
           </a:extLst>
         </p:spPr>
@@ -8727,8 +8737,17 @@
             </a:pPr>
             <a:r>
               <a:rPr lang="en-US" altLang="zh-TW" dirty="0" smtClean="0"/>
-              <a:t>Find out the name of the employee who has sales lower than 30</a:t>
-            </a:r>
+              <a:t>Find out the name of the employee who has sales lower </a:t>
+            </a:r>
+            <a:r>
+              <a:rPr lang="en-US" altLang="zh-TW" smtClean="0"/>
+              <a:t>than </a:t>
+            </a:r>
+            <a:r>
+              <a:rPr lang="en-US" altLang="zh-TW" smtClean="0"/>
+              <a:t>300</a:t>
+            </a:r>
+            <a:endParaRPr lang="en-US" altLang="zh-TW" dirty="0" smtClean="0"/>
           </a:p>
           <a:p>
             <a:pPr fontAlgn="auto">
@@ -8965,11 +8984,7 @@
           <a:p>
             <a:r>
               <a:rPr lang="en-US" altLang="zh-TW" dirty="0" smtClean="0"/>
-              <a:t>Find </a:t>
-            </a:r>
-            <a:r>
-              <a:rPr lang="en-US" altLang="zh-TW" dirty="0" smtClean="0"/>
-              <a:t>out the BMI result of each student from </a:t>
+              <a:t>Find out the BMI result of each student from </a:t>
             </a:r>
             <a:r>
               <a:rPr lang="en-US" altLang="zh-TW" dirty="0" err="1" smtClean="0"/>
@@ -9126,7 +9141,7 @@
     </a:clrScheme>
     <a:fontScheme name="Parallax">
       <a:majorFont>
-        <a:latin typeface="Corbel" panose="020B0503020204020204"/>
+        <a:latin typeface="Corbel"/>
         <a:ea typeface=""/>
         <a:cs typeface=""/>
         <a:font script="Jpan" typeface="HGｺﾞｼｯｸM"/>
@@ -9161,7 +9176,7 @@
         <a:font script="Geor" typeface="Sylfaen"/>
       </a:majorFont>
       <a:minorFont>
-        <a:latin typeface="Corbel" panose="020B0503020204020204"/>
+        <a:latin typeface="Corbel"/>
         <a:ea typeface=""/>
         <a:cs typeface=""/>
         <a:font script="Jpan" typeface="HGｺﾞｼｯｸM"/>
@@ -9333,7 +9348,7 @@
   <a:extraClrSchemeLst/>
   <a:extLst>
     <a:ext uri="{05A4C25C-085E-4340-85A3-A5531E510DB2}">
-      <thm15:themeFamily xmlns:thm15="http://schemas.microsoft.com/office/thememl/2012/main" name="Parallax" id="{3388167B-A2EB-4685-9635-1831D9AEF8C4}" vid="{4F7A876A-7598-49CA-AFC8-8EDA2551E4A7}"/>
+      <thm15:themeFamily xmlns:thm15="http://schemas.microsoft.com/office/thememl/2012/main" xmlns="" name="Parallax" id="{3388167B-A2EB-4685-9635-1831D9AEF8C4}" vid="{4F7A876A-7598-49CA-AFC8-8EDA2551E4A7}"/>
     </a:ext>
   </a:extLst>
 </a:theme>

--- a/php-fw3/lesson3.pptx
+++ b/php-fw3/lesson3.pptx
@@ -148,7 +148,7 @@
   </p:defaultTextStyle>
   <p:extLst>
     <p:ext uri="{EFAFB233-063F-42B5-8137-9DF3F51BA10A}">
-      <p15:sldGuideLst xmlns:p15="http://schemas.microsoft.com/office/powerpoint/2012/main" xmlns="">
+      <p15:sldGuideLst xmlns:p15="http://schemas.microsoft.com/office/powerpoint/2012/main">
         <p15:guide id="1" orient="horz" pos="2160">
           <p15:clr>
             <a:srgbClr val="A4A3A4"/>
@@ -162,7 +162,7 @@
       </p15:sldGuideLst>
     </p:ext>
     <p:ext uri="{2D200454-40CA-4A62-9FC3-DE9A4176ACB9}">
-      <p15:notesGuideLst xmlns:p15="http://schemas.microsoft.com/office/powerpoint/2012/main" xmlns="">
+      <p15:notesGuideLst xmlns:p15="http://schemas.microsoft.com/office/powerpoint/2012/main">
         <p15:guide id="1" orient="horz" pos="2880">
           <p15:clr>
             <a:srgbClr val="A4A3A4"/>
@@ -571,7 +571,7 @@
               </a14:hiddenFill>
             </a:ext>
             <a:ext uri="{FAA26D3D-D897-4be2-8F04-BA451C77F1D7}">
-              <ma14:placeholderFlag xmlns:ma14="http://schemas.microsoft.com/office/mac/drawingml/2011/main" xmlns="" val="1"/>
+              <ma14:placeholderFlag xmlns:ma14="http://schemas.microsoft.com/office/mac/drawingml/2011/main" val="1"/>
             </a:ext>
           </a:extLst>
         </p:spPr>
@@ -1113,7 +1113,7 @@
               </a14:hiddenLine>
             </a:ext>
             <a:ext uri="{FAA26D3D-D897-4be2-8F04-BA451C77F1D7}">
-              <ma14:placeholderFlag xmlns:ma14="http://schemas.microsoft.com/office/mac/drawingml/2011/main" xmlns="" val="1"/>
+              <ma14:placeholderFlag xmlns:ma14="http://schemas.microsoft.com/office/mac/drawingml/2011/main" val="1"/>
             </a:ext>
           </a:extLst>
         </p:spPr>
@@ -1363,7 +1363,7 @@
               </a14:hiddenLine>
             </a:ext>
             <a:ext uri="{FAA26D3D-D897-4be2-8F04-BA451C77F1D7}">
-              <ma14:placeholderFlag xmlns:ma14="http://schemas.microsoft.com/office/mac/drawingml/2011/main" xmlns="" val="1"/>
+              <ma14:placeholderFlag xmlns:ma14="http://schemas.microsoft.com/office/mac/drawingml/2011/main" val="1"/>
             </a:ext>
           </a:extLst>
         </p:spPr>
@@ -7441,7 +7441,7 @@
               </a14:hiddenLine>
             </a:ext>
             <a:ext uri="{FAA26D3D-D897-4be2-8F04-BA451C77F1D7}">
-              <ma14:placeholderFlag xmlns:ma14="http://schemas.microsoft.com/office/mac/drawingml/2011/main" xmlns="" val="1"/>
+              <ma14:placeholderFlag xmlns:ma14="http://schemas.microsoft.com/office/mac/drawingml/2011/main" val="1"/>
             </a:ext>
           </a:extLst>
         </p:spPr>
@@ -7502,7 +7502,7 @@
               </a14:hiddenLine>
             </a:ext>
             <a:ext uri="{FAA26D3D-D897-4be2-8F04-BA451C77F1D7}">
-              <ma14:placeholderFlag xmlns:ma14="http://schemas.microsoft.com/office/mac/drawingml/2011/main" xmlns="" val="1"/>
+              <ma14:placeholderFlag xmlns:ma14="http://schemas.microsoft.com/office/mac/drawingml/2011/main" val="1"/>
             </a:ext>
           </a:extLst>
         </p:spPr>
@@ -8460,19 +8460,35 @@
           <a:lstStyle/>
           <a:p>
             <a:r>
-              <a:rPr lang="nn-NO" altLang="zh-TW"/>
+              <a:rPr lang="nn-NO" altLang="zh-TW" dirty="0"/>
               <a:t>for ($i=1; $i&lt;=10; $i++) {</a:t>
             </a:r>
           </a:p>
           <a:p>
             <a:r>
-              <a:rPr lang="nn-NO" altLang="zh-TW"/>
-              <a:t>	echo "$name[$i] ";</a:t>
-            </a:r>
-          </a:p>
-          <a:p>
-            <a:r>
-              <a:rPr lang="en-US" altLang="zh-TW"/>
+              <a:rPr lang="nn-NO" altLang="zh-TW" dirty="0"/>
+              <a:t>	</a:t>
+            </a:r>
+            <a:r>
+              <a:rPr lang="nn-NO" altLang="zh-TW" dirty="0" err="1"/>
+              <a:t>echo</a:t>
+            </a:r>
+            <a:r>
+              <a:rPr lang="nn-NO" altLang="zh-TW" dirty="0"/>
+              <a:t> "$</a:t>
+            </a:r>
+            <a:r>
+              <a:rPr lang="nn-NO" altLang="zh-TW" dirty="0" err="1"/>
+              <a:t>name</a:t>
+            </a:r>
+            <a:r>
+              <a:rPr lang="nn-NO" altLang="zh-TW" dirty="0"/>
+              <a:t>[$i] ";</a:t>
+            </a:r>
+          </a:p>
+          <a:p>
+            <a:r>
+              <a:rPr lang="en-US" altLang="zh-TW" dirty="0"/>
               <a:t>}</a:t>
             </a:r>
           </a:p>
@@ -8558,33 +8574,39 @@
           <a:lstStyle/>
           <a:p>
             <a:r>
-              <a:rPr lang="en-US" altLang="zh-TW"/>
-              <a:t>Set student info to an array from student.txt</a:t>
-            </a:r>
-          </a:p>
-          <a:p>
-            <a:r>
-              <a:rPr lang="en-US" altLang="zh-TW"/>
+              <a:rPr lang="en-US" altLang="zh-TW" dirty="0"/>
+              <a:t>Set student info to an array from </a:t>
+            </a:r>
+            <a:r>
+              <a:rPr lang="en-US" altLang="zh-TW" dirty="0" err="1"/>
+              <a:t>student.txt</a:t>
+            </a:r>
+            <a:endParaRPr lang="en-US" altLang="zh-TW" dirty="0"/>
+          </a:p>
+          <a:p>
+            <a:r>
+              <a:rPr lang="en-US" altLang="zh-TW" dirty="0"/>
               <a:t>Print out all student names, mark, grade</a:t>
             </a:r>
           </a:p>
           <a:p>
             <a:r>
-              <a:rPr lang="en-US" altLang="zh-TW"/>
+              <a:rPr lang="en-US" altLang="zh-TW" dirty="0"/>
               <a:t>Find out the name of the students who are fail</a:t>
             </a:r>
           </a:p>
           <a:p>
             <a:r>
-              <a:rPr lang="en-US" altLang="zh-TW"/>
+              <a:rPr lang="en-US" altLang="zh-TW" dirty="0"/>
               <a:t>Count how many students passed with 70</a:t>
             </a:r>
           </a:p>
           <a:p>
             <a:r>
-              <a:rPr lang="en-US" altLang="zh-TW"/>
-              <a:t>Find average, highest and lowest mark </a:t>
-            </a:r>
+              <a:rPr lang="en-US" altLang="zh-TW" dirty="0" smtClean="0"/>
+              <a:t>Find highest, lowest and average mark</a:t>
+            </a:r>
+            <a:endParaRPr lang="en-US" altLang="zh-TW" dirty="0"/>
           </a:p>
         </p:txBody>
       </p:sp>
@@ -8665,7 +8687,7 @@
         </p:spPr>
         <p:txBody>
           <a:bodyPr rtlCol="0">
-            <a:normAutofit fontScale="92500" lnSpcReduction="10000"/>
+            <a:normAutofit fontScale="85000" lnSpcReduction="10000"/>
           </a:bodyPr>
           <a:lstStyle/>
           <a:p>
@@ -8705,7 +8727,11 @@
             </a:pPr>
             <a:r>
               <a:rPr lang="en-US" altLang="zh-TW" dirty="0" smtClean="0"/>
-              <a:t>Print out all employee names and sales in reverse order</a:t>
+              <a:t>Print out all employee names and sales in reverse </a:t>
+            </a:r>
+            <a:r>
+              <a:rPr lang="en-US" altLang="zh-TW" dirty="0" smtClean="0"/>
+              <a:t>order</a:t>
             </a:r>
           </a:p>
           <a:p>
@@ -8721,8 +8747,9 @@
             </a:pPr>
             <a:r>
               <a:rPr lang="en-US" altLang="zh-TW" dirty="0" smtClean="0"/>
-              <a:t>Find total sales, average sales, highest sales, lowest sales</a:t>
-            </a:r>
+              <a:t>Count  how many students passed 300</a:t>
+            </a:r>
+            <a:endParaRPr lang="en-US" altLang="zh-TW" dirty="0" smtClean="0"/>
           </a:p>
           <a:p>
             <a:pPr fontAlgn="auto">
@@ -8737,15 +8764,31 @@
             </a:pPr>
             <a:r>
               <a:rPr lang="en-US" altLang="zh-TW" dirty="0" smtClean="0"/>
-              <a:t>Find out the name of the employee who has sales lower </a:t>
-            </a:r>
-            <a:r>
-              <a:rPr lang="en-US" altLang="zh-TW" smtClean="0"/>
-              <a:t>than </a:t>
-            </a:r>
-            <a:r>
-              <a:rPr lang="en-US" altLang="zh-TW" smtClean="0"/>
-              <a:t>300</a:t>
+              <a:t>Find </a:t>
+            </a:r>
+            <a:r>
+              <a:rPr lang="en-US" altLang="zh-TW" dirty="0" smtClean="0"/>
+              <a:t>highest </a:t>
+            </a:r>
+            <a:r>
+              <a:rPr lang="en-US" altLang="zh-TW" dirty="0" smtClean="0"/>
+              <a:t>sales, lowest </a:t>
+            </a:r>
+            <a:r>
+              <a:rPr lang="en-US" altLang="zh-TW" dirty="0" smtClean="0"/>
+              <a:t>sales, </a:t>
+            </a:r>
+            <a:r>
+              <a:rPr lang="en-US" altLang="zh-TW" dirty="0"/>
+              <a:t>average </a:t>
+            </a:r>
+            <a:r>
+              <a:rPr lang="en-US" altLang="zh-TW" dirty="0" smtClean="0"/>
+              <a:t>sales</a:t>
+            </a:r>
+            <a:r>
+              <a:rPr lang="en-US" altLang="zh-TW" dirty="0"/>
+              <a:t> , total sales</a:t>
             </a:r>
             <a:endParaRPr lang="en-US" altLang="zh-TW" dirty="0" smtClean="0"/>
           </a:p>
@@ -8762,6 +8805,22 @@
             </a:pPr>
             <a:r>
               <a:rPr lang="en-US" altLang="zh-TW" dirty="0" smtClean="0"/>
+              <a:t>Find out the name of the employee who has sales lower than 300</a:t>
+            </a:r>
+          </a:p>
+          <a:p>
+            <a:pPr fontAlgn="auto">
+              <a:buClr>
+                <a:schemeClr val="accent1">
+                  <a:lumMod val="75000"/>
+                </a:schemeClr>
+              </a:buClr>
+              <a:buFont typeface="Arial"/>
+              <a:buChar char="•"/>
+              <a:defRPr/>
+            </a:pPr>
+            <a:r>
+              <a:rPr lang="en-US" altLang="zh-TW" dirty="0" smtClean="0"/>
               <a:t>Find out salary:</a:t>
             </a:r>
           </a:p>
@@ -8778,7 +8837,15 @@
             </a:pPr>
             <a:r>
               <a:rPr lang="en-US" altLang="zh-TW" dirty="0" smtClean="0"/>
-              <a:t>If sales&lt;60, salary=sales/2.</a:t>
+              <a:t>If </a:t>
+            </a:r>
+            <a:r>
+              <a:rPr lang="en-US" altLang="zh-TW" dirty="0" smtClean="0"/>
+              <a:t>sales&lt;300</a:t>
+            </a:r>
+            <a:r>
+              <a:rPr lang="en-US" altLang="zh-TW" dirty="0" smtClean="0"/>
+              <a:t>, salary=sales/2.</a:t>
             </a:r>
           </a:p>
           <a:p>
@@ -8794,7 +8861,19 @@
             </a:pPr>
             <a:r>
               <a:rPr lang="en-US" altLang="zh-TW" dirty="0" smtClean="0"/>
-              <a:t>If sales&gt;=60, salary=sales*60%</a:t>
+              <a:t>If </a:t>
+            </a:r>
+            <a:r>
+              <a:rPr lang="en-US" altLang="zh-TW" smtClean="0"/>
+              <a:t>sales</a:t>
+            </a:r>
+            <a:r>
+              <a:rPr lang="en-US" altLang="zh-TW" smtClean="0"/>
+              <a:t>&gt;=300</a:t>
+            </a:r>
+            <a:r>
+              <a:rPr lang="en-US" altLang="zh-TW" dirty="0" smtClean="0"/>
+              <a:t>, salary=sales*60%</a:t>
             </a:r>
           </a:p>
         </p:txBody>
@@ -9348,7 +9427,7 @@
   <a:extraClrSchemeLst/>
   <a:extLst>
     <a:ext uri="{05A4C25C-085E-4340-85A3-A5531E510DB2}">
-      <thm15:themeFamily xmlns:thm15="http://schemas.microsoft.com/office/thememl/2012/main" xmlns="" name="Parallax" id="{3388167B-A2EB-4685-9635-1831D9AEF8C4}" vid="{4F7A876A-7598-49CA-AFC8-8EDA2551E4A7}"/>
+      <thm15:themeFamily xmlns:thm15="http://schemas.microsoft.com/office/thememl/2012/main" name="Parallax" id="{3388167B-A2EB-4685-9635-1831D9AEF8C4}" vid="{4F7A876A-7598-49CA-AFC8-8EDA2551E4A7}"/>
     </a:ext>
   </a:extLst>
 </a:theme>

--- a/php-fw3/lesson3.pptx
+++ b/php-fw3/lesson3.pptx
@@ -177,6 +177,2550 @@
     </p:ext>
   </p:extLst>
 </p:presentation>
+</file>
+
+<file path=ppt/diagrams/colors1.xml><?xml version="1.0" encoding="utf-8"?>
+<dgm:colorsDef xmlns:dgm="http://schemas.openxmlformats.org/drawingml/2006/diagram" xmlns:a="http://schemas.openxmlformats.org/drawingml/2006/main" uniqueId="urn:microsoft.com/office/officeart/2005/8/colors/accent2_3">
+  <dgm:title val=""/>
+  <dgm:desc val=""/>
+  <dgm:catLst>
+    <dgm:cat type="accent2" pri="11300"/>
+  </dgm:catLst>
+  <dgm:styleLbl name="node0">
+    <dgm:fillClrLst meth="repeat">
+      <a:schemeClr val="accent2">
+        <a:shade val="80000"/>
+      </a:schemeClr>
+    </dgm:fillClrLst>
+    <dgm:linClrLst meth="repeat">
+      <a:schemeClr val="lt1"/>
+    </dgm:linClrLst>
+    <dgm:effectClrLst/>
+    <dgm:txLinClrLst/>
+    <dgm:txFillClrLst/>
+    <dgm:txEffectClrLst/>
+  </dgm:styleLbl>
+  <dgm:styleLbl name="node1">
+    <dgm:fillClrLst>
+      <a:schemeClr val="accent2">
+        <a:shade val="80000"/>
+      </a:schemeClr>
+      <a:schemeClr val="accent2">
+        <a:tint val="70000"/>
+      </a:schemeClr>
+    </dgm:fillClrLst>
+    <dgm:linClrLst meth="repeat">
+      <a:schemeClr val="lt1"/>
+    </dgm:linClrLst>
+    <dgm:effectClrLst/>
+    <dgm:txLinClrLst/>
+    <dgm:txFillClrLst/>
+    <dgm:txEffectClrLst/>
+  </dgm:styleLbl>
+  <dgm:styleLbl name="alignNode1">
+    <dgm:fillClrLst>
+      <a:schemeClr val="accent2">
+        <a:shade val="80000"/>
+      </a:schemeClr>
+      <a:schemeClr val="accent2">
+        <a:tint val="70000"/>
+      </a:schemeClr>
+    </dgm:fillClrLst>
+    <dgm:linClrLst>
+      <a:schemeClr val="accent2">
+        <a:shade val="80000"/>
+      </a:schemeClr>
+      <a:schemeClr val="accent2">
+        <a:tint val="70000"/>
+      </a:schemeClr>
+    </dgm:linClrLst>
+    <dgm:effectClrLst/>
+    <dgm:txLinClrLst/>
+    <dgm:txFillClrLst/>
+    <dgm:txEffectClrLst/>
+  </dgm:styleLbl>
+  <dgm:styleLbl name="lnNode1">
+    <dgm:fillClrLst>
+      <a:schemeClr val="accent2">
+        <a:shade val="80000"/>
+      </a:schemeClr>
+      <a:schemeClr val="accent2">
+        <a:tint val="70000"/>
+      </a:schemeClr>
+    </dgm:fillClrLst>
+    <dgm:linClrLst meth="repeat">
+      <a:schemeClr val="lt1"/>
+    </dgm:linClrLst>
+    <dgm:effectClrLst/>
+    <dgm:txLinClrLst/>
+    <dgm:txFillClrLst/>
+    <dgm:txEffectClrLst/>
+  </dgm:styleLbl>
+  <dgm:styleLbl name="vennNode1">
+    <dgm:fillClrLst>
+      <a:schemeClr val="accent2">
+        <a:shade val="80000"/>
+        <a:alpha val="50000"/>
+      </a:schemeClr>
+      <a:schemeClr val="accent2">
+        <a:tint val="70000"/>
+        <a:alpha val="50000"/>
+      </a:schemeClr>
+    </dgm:fillClrLst>
+    <dgm:linClrLst meth="repeat">
+      <a:schemeClr val="lt1"/>
+    </dgm:linClrLst>
+    <dgm:effectClrLst/>
+    <dgm:txLinClrLst/>
+    <dgm:txFillClrLst/>
+    <dgm:txEffectClrLst/>
+  </dgm:styleLbl>
+  <dgm:styleLbl name="node2">
+    <dgm:fillClrLst>
+      <a:schemeClr val="accent2">
+        <a:tint val="99000"/>
+      </a:schemeClr>
+    </dgm:fillClrLst>
+    <dgm:linClrLst meth="repeat">
+      <a:schemeClr val="lt1"/>
+    </dgm:linClrLst>
+    <dgm:effectClrLst/>
+    <dgm:txLinClrLst/>
+    <dgm:txFillClrLst/>
+    <dgm:txEffectClrLst/>
+  </dgm:styleLbl>
+  <dgm:styleLbl name="node3">
+    <dgm:fillClrLst>
+      <a:schemeClr val="accent2">
+        <a:tint val="80000"/>
+      </a:schemeClr>
+    </dgm:fillClrLst>
+    <dgm:linClrLst meth="repeat">
+      <a:schemeClr val="lt1"/>
+    </dgm:linClrLst>
+    <dgm:effectClrLst/>
+    <dgm:txLinClrLst/>
+    <dgm:txFillClrLst/>
+    <dgm:txEffectClrLst/>
+  </dgm:styleLbl>
+  <dgm:styleLbl name="node4">
+    <dgm:fillClrLst>
+      <a:schemeClr val="accent2">
+        <a:tint val="70000"/>
+      </a:schemeClr>
+    </dgm:fillClrLst>
+    <dgm:linClrLst meth="repeat">
+      <a:schemeClr val="lt1"/>
+    </dgm:linClrLst>
+    <dgm:effectClrLst/>
+    <dgm:txLinClrLst/>
+    <dgm:txFillClrLst/>
+    <dgm:txEffectClrLst/>
+  </dgm:styleLbl>
+  <dgm:styleLbl name="fgImgPlace1">
+    <dgm:fillClrLst>
+      <a:schemeClr val="accent2">
+        <a:tint val="50000"/>
+      </a:schemeClr>
+      <a:schemeClr val="accent2">
+        <a:tint val="20000"/>
+      </a:schemeClr>
+    </dgm:fillClrLst>
+    <dgm:linClrLst meth="repeat">
+      <a:schemeClr val="lt1"/>
+    </dgm:linClrLst>
+    <dgm:effectClrLst/>
+    <dgm:txLinClrLst/>
+    <dgm:txFillClrLst meth="repeat">
+      <a:schemeClr val="lt1"/>
+    </dgm:txFillClrLst>
+    <dgm:txEffectClrLst/>
+  </dgm:styleLbl>
+  <dgm:styleLbl name="alignImgPlace1">
+    <dgm:fillClrLst>
+      <a:schemeClr val="accent2">
+        <a:tint val="50000"/>
+      </a:schemeClr>
+      <a:schemeClr val="accent2">
+        <a:tint val="20000"/>
+      </a:schemeClr>
+    </dgm:fillClrLst>
+    <dgm:linClrLst meth="repeat">
+      <a:schemeClr val="lt1"/>
+    </dgm:linClrLst>
+    <dgm:effectClrLst/>
+    <dgm:txLinClrLst/>
+    <dgm:txFillClrLst meth="repeat">
+      <a:schemeClr val="lt1"/>
+    </dgm:txFillClrLst>
+    <dgm:txEffectClrLst/>
+  </dgm:styleLbl>
+  <dgm:styleLbl name="bgImgPlace1">
+    <dgm:fillClrLst>
+      <a:schemeClr val="accent2">
+        <a:tint val="50000"/>
+      </a:schemeClr>
+      <a:schemeClr val="accent2">
+        <a:tint val="20000"/>
+      </a:schemeClr>
+    </dgm:fillClrLst>
+    <dgm:linClrLst meth="repeat">
+      <a:schemeClr val="lt1"/>
+    </dgm:linClrLst>
+    <dgm:effectClrLst/>
+    <dgm:txLinClrLst/>
+    <dgm:txFillClrLst meth="repeat">
+      <a:schemeClr val="lt1"/>
+    </dgm:txFillClrLst>
+    <dgm:txEffectClrLst/>
+  </dgm:styleLbl>
+  <dgm:styleLbl name="sibTrans2D1">
+    <dgm:fillClrLst>
+      <a:schemeClr val="accent2">
+        <a:shade val="90000"/>
+      </a:schemeClr>
+      <a:schemeClr val="accent2">
+        <a:tint val="70000"/>
+      </a:schemeClr>
+    </dgm:fillClrLst>
+    <dgm:linClrLst>
+      <a:schemeClr val="accent2">
+        <a:shade val="90000"/>
+      </a:schemeClr>
+      <a:schemeClr val="accent2">
+        <a:tint val="70000"/>
+      </a:schemeClr>
+    </dgm:linClrLst>
+    <dgm:effectClrLst/>
+    <dgm:txLinClrLst/>
+    <dgm:txFillClrLst/>
+    <dgm:txEffectClrLst/>
+  </dgm:styleLbl>
+  <dgm:styleLbl name="fgSibTrans2D1">
+    <dgm:fillClrLst>
+      <a:schemeClr val="accent2">
+        <a:shade val="90000"/>
+      </a:schemeClr>
+      <a:schemeClr val="accent2">
+        <a:tint val="70000"/>
+      </a:schemeClr>
+    </dgm:fillClrLst>
+    <dgm:linClrLst>
+      <a:schemeClr val="accent2">
+        <a:shade val="90000"/>
+      </a:schemeClr>
+      <a:schemeClr val="accent2">
+        <a:tint val="70000"/>
+      </a:schemeClr>
+    </dgm:linClrLst>
+    <dgm:effectClrLst/>
+    <dgm:txLinClrLst/>
+    <dgm:txFillClrLst meth="repeat">
+      <a:schemeClr val="lt1"/>
+    </dgm:txFillClrLst>
+    <dgm:txEffectClrLst/>
+  </dgm:styleLbl>
+  <dgm:styleLbl name="bgSibTrans2D1">
+    <dgm:fillClrLst>
+      <a:schemeClr val="accent2">
+        <a:shade val="90000"/>
+      </a:schemeClr>
+      <a:schemeClr val="accent2">
+        <a:tint val="70000"/>
+      </a:schemeClr>
+    </dgm:fillClrLst>
+    <dgm:linClrLst>
+      <a:schemeClr val="accent2">
+        <a:shade val="90000"/>
+      </a:schemeClr>
+      <a:schemeClr val="accent2">
+        <a:tint val="70000"/>
+      </a:schemeClr>
+    </dgm:linClrLst>
+    <dgm:effectClrLst/>
+    <dgm:txLinClrLst/>
+    <dgm:txFillClrLst meth="repeat">
+      <a:schemeClr val="lt1"/>
+    </dgm:txFillClrLst>
+    <dgm:txEffectClrLst/>
+  </dgm:styleLbl>
+  <dgm:styleLbl name="sibTrans1D1">
+    <dgm:fillClrLst>
+      <a:schemeClr val="accent2">
+        <a:shade val="90000"/>
+      </a:schemeClr>
+      <a:schemeClr val="accent2">
+        <a:tint val="70000"/>
+      </a:schemeClr>
+    </dgm:fillClrLst>
+    <dgm:linClrLst>
+      <a:schemeClr val="accent2">
+        <a:shade val="90000"/>
+      </a:schemeClr>
+      <a:schemeClr val="accent2">
+        <a:tint val="70000"/>
+      </a:schemeClr>
+    </dgm:linClrLst>
+    <dgm:effectClrLst/>
+    <dgm:txLinClrLst/>
+    <dgm:txFillClrLst meth="repeat">
+      <a:schemeClr val="tx1"/>
+    </dgm:txFillClrLst>
+    <dgm:txEffectClrLst/>
+  </dgm:styleLbl>
+  <dgm:styleLbl name="callout">
+    <dgm:fillClrLst meth="repeat">
+      <a:schemeClr val="accent2"/>
+    </dgm:fillClrLst>
+    <dgm:linClrLst meth="repeat">
+      <a:schemeClr val="accent2"/>
+    </dgm:linClrLst>
+    <dgm:effectClrLst/>
+    <dgm:txLinClrLst/>
+    <dgm:txFillClrLst meth="repeat">
+      <a:schemeClr val="tx1"/>
+    </dgm:txFillClrLst>
+    <dgm:txEffectClrLst/>
+  </dgm:styleLbl>
+  <dgm:styleLbl name="asst0">
+    <dgm:fillClrLst meth="repeat">
+      <a:schemeClr val="accent2">
+        <a:shade val="80000"/>
+      </a:schemeClr>
+    </dgm:fillClrLst>
+    <dgm:linClrLst meth="repeat">
+      <a:schemeClr val="lt1"/>
+    </dgm:linClrLst>
+    <dgm:effectClrLst/>
+    <dgm:txLinClrLst/>
+    <dgm:txFillClrLst/>
+    <dgm:txEffectClrLst/>
+  </dgm:styleLbl>
+  <dgm:styleLbl name="asst1">
+    <dgm:fillClrLst meth="repeat">
+      <a:schemeClr val="accent2">
+        <a:shade val="80000"/>
+      </a:schemeClr>
+    </dgm:fillClrLst>
+    <dgm:linClrLst meth="repeat">
+      <a:schemeClr val="lt1"/>
+    </dgm:linClrLst>
+    <dgm:effectClrLst/>
+    <dgm:txLinClrLst/>
+    <dgm:txFillClrLst/>
+    <dgm:txEffectClrLst/>
+  </dgm:styleLbl>
+  <dgm:styleLbl name="asst2">
+    <dgm:fillClrLst>
+      <a:schemeClr val="accent2">
+        <a:tint val="99000"/>
+      </a:schemeClr>
+    </dgm:fillClrLst>
+    <dgm:linClrLst meth="repeat">
+      <a:schemeClr val="lt1"/>
+    </dgm:linClrLst>
+    <dgm:effectClrLst/>
+    <dgm:txLinClrLst/>
+    <dgm:txFillClrLst/>
+    <dgm:txEffectClrLst/>
+  </dgm:styleLbl>
+  <dgm:styleLbl name="asst3">
+    <dgm:fillClrLst>
+      <a:schemeClr val="accent2">
+        <a:tint val="80000"/>
+      </a:schemeClr>
+    </dgm:fillClrLst>
+    <dgm:linClrLst meth="repeat">
+      <a:schemeClr val="lt1"/>
+    </dgm:linClrLst>
+    <dgm:effectClrLst/>
+    <dgm:txLinClrLst/>
+    <dgm:txFillClrLst/>
+    <dgm:txEffectClrLst/>
+  </dgm:styleLbl>
+  <dgm:styleLbl name="asst4">
+    <dgm:fillClrLst>
+      <a:schemeClr val="accent2">
+        <a:tint val="70000"/>
+      </a:schemeClr>
+    </dgm:fillClrLst>
+    <dgm:linClrLst meth="repeat">
+      <a:schemeClr val="lt1"/>
+    </dgm:linClrLst>
+    <dgm:effectClrLst/>
+    <dgm:txLinClrLst/>
+    <dgm:txFillClrLst/>
+    <dgm:txEffectClrLst/>
+  </dgm:styleLbl>
+  <dgm:styleLbl name="parChTrans2D1">
+    <dgm:fillClrLst meth="repeat">
+      <a:schemeClr val="accent2">
+        <a:tint val="60000"/>
+      </a:schemeClr>
+    </dgm:fillClrLst>
+    <dgm:linClrLst meth="repeat">
+      <a:schemeClr val="accent2">
+        <a:tint val="60000"/>
+      </a:schemeClr>
+    </dgm:linClrLst>
+    <dgm:effectClrLst/>
+    <dgm:txLinClrLst/>
+    <dgm:txFillClrLst meth="repeat">
+      <a:schemeClr val="lt1"/>
+    </dgm:txFillClrLst>
+    <dgm:txEffectClrLst/>
+  </dgm:styleLbl>
+  <dgm:styleLbl name="parChTrans2D2">
+    <dgm:fillClrLst meth="repeat">
+      <a:schemeClr val="accent2">
+        <a:tint val="90000"/>
+      </a:schemeClr>
+    </dgm:fillClrLst>
+    <dgm:linClrLst meth="repeat">
+      <a:schemeClr val="accent2">
+        <a:tint val="90000"/>
+      </a:schemeClr>
+    </dgm:linClrLst>
+    <dgm:effectClrLst/>
+    <dgm:txLinClrLst/>
+    <dgm:txFillClrLst/>
+    <dgm:txEffectClrLst/>
+  </dgm:styleLbl>
+  <dgm:styleLbl name="parChTrans2D3">
+    <dgm:fillClrLst meth="repeat">
+      <a:schemeClr val="accent2">
+        <a:tint val="70000"/>
+      </a:schemeClr>
+    </dgm:fillClrLst>
+    <dgm:linClrLst meth="repeat">
+      <a:schemeClr val="accent2">
+        <a:tint val="70000"/>
+      </a:schemeClr>
+    </dgm:linClrLst>
+    <dgm:effectClrLst/>
+    <dgm:txLinClrLst/>
+    <dgm:txFillClrLst/>
+    <dgm:txEffectClrLst/>
+  </dgm:styleLbl>
+  <dgm:styleLbl name="parChTrans2D4">
+    <dgm:fillClrLst meth="repeat">
+      <a:schemeClr val="accent2">
+        <a:tint val="50000"/>
+      </a:schemeClr>
+    </dgm:fillClrLst>
+    <dgm:linClrLst meth="repeat">
+      <a:schemeClr val="accent2">
+        <a:tint val="50000"/>
+      </a:schemeClr>
+    </dgm:linClrLst>
+    <dgm:effectClrLst/>
+    <dgm:txLinClrLst/>
+    <dgm:txFillClrLst meth="repeat">
+      <a:schemeClr val="lt1"/>
+    </dgm:txFillClrLst>
+    <dgm:txEffectClrLst/>
+  </dgm:styleLbl>
+  <dgm:styleLbl name="parChTrans1D1">
+    <dgm:fillClrLst meth="repeat">
+      <a:schemeClr val="accent2">
+        <a:shade val="80000"/>
+      </a:schemeClr>
+    </dgm:fillClrLst>
+    <dgm:linClrLst meth="repeat">
+      <a:schemeClr val="accent2">
+        <a:shade val="80000"/>
+      </a:schemeClr>
+    </dgm:linClrLst>
+    <dgm:effectClrLst/>
+    <dgm:txLinClrLst/>
+    <dgm:txFillClrLst meth="repeat">
+      <a:schemeClr val="tx1"/>
+    </dgm:txFillClrLst>
+    <dgm:txEffectClrLst/>
+  </dgm:styleLbl>
+  <dgm:styleLbl name="parChTrans1D2">
+    <dgm:fillClrLst meth="repeat">
+      <a:schemeClr val="accent2">
+        <a:tint val="99000"/>
+      </a:schemeClr>
+    </dgm:fillClrLst>
+    <dgm:linClrLst meth="repeat">
+      <a:schemeClr val="accent2">
+        <a:tint val="99000"/>
+      </a:schemeClr>
+    </dgm:linClrLst>
+    <dgm:effectClrLst/>
+    <dgm:txLinClrLst/>
+    <dgm:txFillClrLst meth="repeat">
+      <a:schemeClr val="tx1"/>
+    </dgm:txFillClrLst>
+    <dgm:txEffectClrLst/>
+  </dgm:styleLbl>
+  <dgm:styleLbl name="parChTrans1D3">
+    <dgm:fillClrLst meth="repeat">
+      <a:schemeClr val="accent2">
+        <a:tint val="80000"/>
+      </a:schemeClr>
+    </dgm:fillClrLst>
+    <dgm:linClrLst meth="repeat">
+      <a:schemeClr val="accent2">
+        <a:tint val="80000"/>
+      </a:schemeClr>
+    </dgm:linClrLst>
+    <dgm:effectClrLst/>
+    <dgm:txLinClrLst/>
+    <dgm:txFillClrLst meth="repeat">
+      <a:schemeClr val="tx1"/>
+    </dgm:txFillClrLst>
+    <dgm:txEffectClrLst/>
+  </dgm:styleLbl>
+  <dgm:styleLbl name="parChTrans1D4">
+    <dgm:fillClrLst meth="repeat">
+      <a:schemeClr val="accent2">
+        <a:tint val="70000"/>
+      </a:schemeClr>
+    </dgm:fillClrLst>
+    <dgm:linClrLst meth="repeat">
+      <a:schemeClr val="accent2">
+        <a:tint val="70000"/>
+      </a:schemeClr>
+    </dgm:linClrLst>
+    <dgm:effectClrLst/>
+    <dgm:txLinClrLst/>
+    <dgm:txFillClrLst meth="repeat">
+      <a:schemeClr val="tx1"/>
+    </dgm:txFillClrLst>
+    <dgm:txEffectClrLst/>
+  </dgm:styleLbl>
+  <dgm:styleLbl name="fgAcc1">
+    <dgm:fillClrLst meth="repeat">
+      <a:schemeClr val="lt1">
+        <a:alpha val="90000"/>
+      </a:schemeClr>
+    </dgm:fillClrLst>
+    <dgm:linClrLst>
+      <a:schemeClr val="accent2">
+        <a:shade val="80000"/>
+      </a:schemeClr>
+      <a:schemeClr val="accent2">
+        <a:tint val="70000"/>
+      </a:schemeClr>
+    </dgm:linClrLst>
+    <dgm:effectClrLst/>
+    <dgm:txLinClrLst/>
+    <dgm:txFillClrLst meth="repeat">
+      <a:schemeClr val="dk1"/>
+    </dgm:txFillClrLst>
+    <dgm:txEffectClrLst/>
+  </dgm:styleLbl>
+  <dgm:styleLbl name="conFgAcc1">
+    <dgm:fillClrLst meth="repeat">
+      <a:schemeClr val="lt1">
+        <a:alpha val="90000"/>
+      </a:schemeClr>
+    </dgm:fillClrLst>
+    <dgm:linClrLst>
+      <a:schemeClr val="accent2">
+        <a:shade val="80000"/>
+      </a:schemeClr>
+      <a:schemeClr val="accent2">
+        <a:tint val="70000"/>
+      </a:schemeClr>
+    </dgm:linClrLst>
+    <dgm:effectClrLst/>
+    <dgm:txLinClrLst/>
+    <dgm:txFillClrLst meth="repeat">
+      <a:schemeClr val="dk1"/>
+    </dgm:txFillClrLst>
+    <dgm:txEffectClrLst/>
+  </dgm:styleLbl>
+  <dgm:styleLbl name="alignAcc1">
+    <dgm:fillClrLst meth="repeat">
+      <a:schemeClr val="lt1">
+        <a:alpha val="90000"/>
+      </a:schemeClr>
+    </dgm:fillClrLst>
+    <dgm:linClrLst>
+      <a:schemeClr val="accent2">
+        <a:shade val="80000"/>
+      </a:schemeClr>
+      <a:schemeClr val="accent2">
+        <a:tint val="70000"/>
+      </a:schemeClr>
+    </dgm:linClrLst>
+    <dgm:effectClrLst/>
+    <dgm:txLinClrLst/>
+    <dgm:txFillClrLst meth="repeat">
+      <a:schemeClr val="dk1"/>
+    </dgm:txFillClrLst>
+    <dgm:txEffectClrLst/>
+  </dgm:styleLbl>
+  <dgm:styleLbl name="trAlignAcc1">
+    <dgm:fillClrLst meth="repeat">
+      <a:schemeClr val="lt1">
+        <a:alpha val="40000"/>
+      </a:schemeClr>
+    </dgm:fillClrLst>
+    <dgm:linClrLst meth="repeat">
+      <a:schemeClr val="accent2"/>
+    </dgm:linClrLst>
+    <dgm:effectClrLst/>
+    <dgm:txLinClrLst/>
+    <dgm:txFillClrLst meth="repeat">
+      <a:schemeClr val="dk1"/>
+    </dgm:txFillClrLst>
+    <dgm:txEffectClrLst/>
+  </dgm:styleLbl>
+  <dgm:styleLbl name="bgAcc1">
+    <dgm:fillClrLst meth="repeat">
+      <a:schemeClr val="lt1">
+        <a:alpha val="90000"/>
+      </a:schemeClr>
+    </dgm:fillClrLst>
+    <dgm:linClrLst>
+      <a:schemeClr val="accent2">
+        <a:shade val="80000"/>
+      </a:schemeClr>
+      <a:schemeClr val="accent2">
+        <a:tint val="70000"/>
+      </a:schemeClr>
+    </dgm:linClrLst>
+    <dgm:effectClrLst/>
+    <dgm:txLinClrLst/>
+    <dgm:txFillClrLst meth="repeat">
+      <a:schemeClr val="dk1"/>
+    </dgm:txFillClrLst>
+    <dgm:txEffectClrLst/>
+  </dgm:styleLbl>
+  <dgm:styleLbl name="solidFgAcc1">
+    <dgm:fillClrLst meth="repeat">
+      <a:schemeClr val="lt1"/>
+    </dgm:fillClrLst>
+    <dgm:linClrLst>
+      <a:schemeClr val="accent2">
+        <a:shade val="80000"/>
+      </a:schemeClr>
+      <a:schemeClr val="accent2">
+        <a:tint val="70000"/>
+      </a:schemeClr>
+    </dgm:linClrLst>
+    <dgm:effectClrLst/>
+    <dgm:txLinClrLst/>
+    <dgm:txFillClrLst meth="repeat">
+      <a:schemeClr val="dk1"/>
+    </dgm:txFillClrLst>
+    <dgm:txEffectClrLst/>
+  </dgm:styleLbl>
+  <dgm:styleLbl name="solidAlignAcc1">
+    <dgm:fillClrLst meth="repeat">
+      <a:schemeClr val="lt1"/>
+    </dgm:fillClrLst>
+    <dgm:linClrLst meth="repeat">
+      <a:schemeClr val="accent2"/>
+    </dgm:linClrLst>
+    <dgm:effectClrLst/>
+    <dgm:txLinClrLst/>
+    <dgm:txFillClrLst meth="repeat">
+      <a:schemeClr val="dk1"/>
+    </dgm:txFillClrLst>
+    <dgm:txEffectClrLst/>
+  </dgm:styleLbl>
+  <dgm:styleLbl name="solidBgAcc1">
+    <dgm:fillClrLst meth="repeat">
+      <a:schemeClr val="lt1"/>
+    </dgm:fillClrLst>
+    <dgm:linClrLst meth="repeat">
+      <a:schemeClr val="accent2"/>
+    </dgm:linClrLst>
+    <dgm:effectClrLst/>
+    <dgm:txLinClrLst/>
+    <dgm:txFillClrLst meth="repeat">
+      <a:schemeClr val="dk1"/>
+    </dgm:txFillClrLst>
+    <dgm:txEffectClrLst/>
+  </dgm:styleLbl>
+  <dgm:styleLbl name="fgAccFollowNode1">
+    <dgm:fillClrLst meth="repeat">
+      <a:schemeClr val="accent2">
+        <a:alpha val="90000"/>
+        <a:tint val="40000"/>
+      </a:schemeClr>
+    </dgm:fillClrLst>
+    <dgm:linClrLst meth="repeat">
+      <a:schemeClr val="accent2">
+        <a:alpha val="90000"/>
+        <a:tint val="40000"/>
+      </a:schemeClr>
+    </dgm:linClrLst>
+    <dgm:effectClrLst/>
+    <dgm:txLinClrLst/>
+    <dgm:txFillClrLst meth="repeat">
+      <a:schemeClr val="dk1"/>
+    </dgm:txFillClrLst>
+    <dgm:txEffectClrLst/>
+  </dgm:styleLbl>
+  <dgm:styleLbl name="alignAccFollowNode1">
+    <dgm:fillClrLst meth="repeat">
+      <a:schemeClr val="accent2">
+        <a:alpha val="90000"/>
+        <a:tint val="40000"/>
+      </a:schemeClr>
+    </dgm:fillClrLst>
+    <dgm:linClrLst meth="repeat">
+      <a:schemeClr val="accent2">
+        <a:alpha val="90000"/>
+        <a:tint val="40000"/>
+      </a:schemeClr>
+    </dgm:linClrLst>
+    <dgm:effectClrLst/>
+    <dgm:txLinClrLst/>
+    <dgm:txFillClrLst meth="repeat">
+      <a:schemeClr val="dk1"/>
+    </dgm:txFillClrLst>
+    <dgm:txEffectClrLst/>
+  </dgm:styleLbl>
+  <dgm:styleLbl name="bgAccFollowNode1">
+    <dgm:fillClrLst meth="repeat">
+      <a:schemeClr val="accent2">
+        <a:alpha val="90000"/>
+        <a:tint val="40000"/>
+      </a:schemeClr>
+    </dgm:fillClrLst>
+    <dgm:linClrLst meth="repeat">
+      <a:schemeClr val="lt1"/>
+    </dgm:linClrLst>
+    <dgm:effectClrLst/>
+    <dgm:txLinClrLst/>
+    <dgm:txFillClrLst meth="repeat">
+      <a:schemeClr val="dk1"/>
+    </dgm:txFillClrLst>
+    <dgm:txEffectClrLst/>
+  </dgm:styleLbl>
+  <dgm:styleLbl name="fgAcc0">
+    <dgm:fillClrLst meth="repeat">
+      <a:schemeClr val="lt1">
+        <a:alpha val="90000"/>
+      </a:schemeClr>
+    </dgm:fillClrLst>
+    <dgm:linClrLst meth="repeat">
+      <a:schemeClr val="accent2">
+        <a:shade val="80000"/>
+      </a:schemeClr>
+    </dgm:linClrLst>
+    <dgm:effectClrLst/>
+    <dgm:txLinClrLst/>
+    <dgm:txFillClrLst meth="repeat">
+      <a:schemeClr val="dk1"/>
+    </dgm:txFillClrLst>
+    <dgm:txEffectClrLst/>
+  </dgm:styleLbl>
+  <dgm:styleLbl name="fgAcc2">
+    <dgm:fillClrLst meth="repeat">
+      <a:schemeClr val="lt1">
+        <a:alpha val="90000"/>
+      </a:schemeClr>
+    </dgm:fillClrLst>
+    <dgm:linClrLst meth="repeat">
+      <a:schemeClr val="accent2">
+        <a:tint val="99000"/>
+      </a:schemeClr>
+    </dgm:linClrLst>
+    <dgm:effectClrLst/>
+    <dgm:txLinClrLst/>
+    <dgm:txFillClrLst meth="repeat">
+      <a:schemeClr val="dk1"/>
+    </dgm:txFillClrLst>
+    <dgm:txEffectClrLst/>
+  </dgm:styleLbl>
+  <dgm:styleLbl name="fgAcc3">
+    <dgm:fillClrLst meth="repeat">
+      <a:schemeClr val="lt1">
+        <a:alpha val="90000"/>
+      </a:schemeClr>
+    </dgm:fillClrLst>
+    <dgm:linClrLst meth="repeat">
+      <a:schemeClr val="accent2">
+        <a:tint val="80000"/>
+      </a:schemeClr>
+    </dgm:linClrLst>
+    <dgm:effectClrLst/>
+    <dgm:txLinClrLst/>
+    <dgm:txFillClrLst meth="repeat">
+      <a:schemeClr val="dk1"/>
+    </dgm:txFillClrLst>
+    <dgm:txEffectClrLst/>
+  </dgm:styleLbl>
+  <dgm:styleLbl name="fgAcc4">
+    <dgm:fillClrLst meth="repeat">
+      <a:schemeClr val="lt1">
+        <a:alpha val="90000"/>
+      </a:schemeClr>
+    </dgm:fillClrLst>
+    <dgm:linClrLst meth="repeat">
+      <a:schemeClr val="accent2">
+        <a:tint val="70000"/>
+      </a:schemeClr>
+    </dgm:linClrLst>
+    <dgm:effectClrLst/>
+    <dgm:txLinClrLst/>
+    <dgm:txFillClrLst meth="repeat">
+      <a:schemeClr val="dk1"/>
+    </dgm:txFillClrLst>
+    <dgm:txEffectClrLst/>
+  </dgm:styleLbl>
+  <dgm:styleLbl name="bgShp">
+    <dgm:fillClrLst meth="repeat">
+      <a:schemeClr val="accent2">
+        <a:tint val="40000"/>
+      </a:schemeClr>
+    </dgm:fillClrLst>
+    <dgm:linClrLst meth="repeat">
+      <a:schemeClr val="dk1"/>
+    </dgm:linClrLst>
+    <dgm:effectClrLst/>
+    <dgm:txLinClrLst/>
+    <dgm:txFillClrLst meth="repeat">
+      <a:schemeClr val="dk1"/>
+    </dgm:txFillClrLst>
+    <dgm:txEffectClrLst/>
+  </dgm:styleLbl>
+  <dgm:styleLbl name="dkBgShp">
+    <dgm:fillClrLst meth="repeat">
+      <a:schemeClr val="accent2">
+        <a:shade val="90000"/>
+      </a:schemeClr>
+    </dgm:fillClrLst>
+    <dgm:linClrLst meth="repeat">
+      <a:schemeClr val="dk1"/>
+    </dgm:linClrLst>
+    <dgm:effectClrLst/>
+    <dgm:txLinClrLst/>
+    <dgm:txFillClrLst meth="repeat">
+      <a:schemeClr val="lt1"/>
+    </dgm:txFillClrLst>
+    <dgm:txEffectClrLst/>
+  </dgm:styleLbl>
+  <dgm:styleLbl name="trBgShp">
+    <dgm:fillClrLst meth="repeat">
+      <a:schemeClr val="accent2">
+        <a:tint val="50000"/>
+        <a:alpha val="40000"/>
+      </a:schemeClr>
+    </dgm:fillClrLst>
+    <dgm:linClrLst meth="repeat">
+      <a:schemeClr val="accent2"/>
+    </dgm:linClrLst>
+    <dgm:effectClrLst/>
+    <dgm:txLinClrLst/>
+    <dgm:txFillClrLst meth="repeat">
+      <a:schemeClr val="lt1"/>
+    </dgm:txFillClrLst>
+    <dgm:txEffectClrLst/>
+  </dgm:styleLbl>
+  <dgm:styleLbl name="fgShp">
+    <dgm:fillClrLst meth="repeat">
+      <a:schemeClr val="accent2">
+        <a:tint val="40000"/>
+      </a:schemeClr>
+    </dgm:fillClrLst>
+    <dgm:linClrLst meth="repeat">
+      <a:schemeClr val="lt1"/>
+    </dgm:linClrLst>
+    <dgm:effectClrLst/>
+    <dgm:txLinClrLst/>
+    <dgm:txFillClrLst meth="repeat">
+      <a:schemeClr val="dk1"/>
+    </dgm:txFillClrLst>
+    <dgm:txEffectClrLst/>
+  </dgm:styleLbl>
+  <dgm:styleLbl name="revTx">
+    <dgm:fillClrLst meth="repeat">
+      <a:schemeClr val="lt1">
+        <a:alpha val="0"/>
+      </a:schemeClr>
+    </dgm:fillClrLst>
+    <dgm:linClrLst meth="repeat">
+      <a:schemeClr val="dk1">
+        <a:alpha val="0"/>
+      </a:schemeClr>
+    </dgm:linClrLst>
+    <dgm:effectClrLst/>
+    <dgm:txLinClrLst/>
+    <dgm:txFillClrLst meth="repeat">
+      <a:schemeClr val="tx1"/>
+    </dgm:txFillClrLst>
+    <dgm:txEffectClrLst/>
+  </dgm:styleLbl>
+</dgm:colorsDef>
+</file>
+
+<file path=ppt/diagrams/data1.xml><?xml version="1.0" encoding="utf-8"?>
+<dgm:dataModel xmlns:dgm="http://schemas.openxmlformats.org/drawingml/2006/diagram" xmlns:a="http://schemas.openxmlformats.org/drawingml/2006/main">
+  <dgm:ptLst>
+    <dgm:pt modelId="{9C1F7144-1E12-884B-95A7-734ED95560FA}" type="doc">
+      <dgm:prSet loTypeId="urn:microsoft.com/office/officeart/2005/8/layout/pyramid2" loCatId="" qsTypeId="urn:microsoft.com/office/officeart/2005/8/quickstyle/simple4" qsCatId="simple" csTypeId="urn:microsoft.com/office/officeart/2005/8/colors/accent2_3" csCatId="accent2" phldr="1"/>
+      <dgm:spPr/>
+    </dgm:pt>
+    <dgm:pt modelId="{81FDF275-7254-A94A-AEC2-4B00E1908302}">
+      <dgm:prSet phldrT="[Text]"/>
+      <dgm:spPr/>
+      <dgm:t>
+        <a:bodyPr/>
+        <a:lstStyle/>
+        <a:p>
+          <a:r>
+            <a:rPr lang="en-US" dirty="0" smtClean="0"/>
+            <a:t>&lt;18.5</a:t>
+          </a:r>
+          <a:endParaRPr lang="en-US" dirty="0"/>
+        </a:p>
+      </dgm:t>
+    </dgm:pt>
+    <dgm:pt modelId="{306B6C42-AE8C-C14E-B5B1-49AF6921385D}" type="parTrans" cxnId="{0C7D96B5-CB42-A74F-B317-C425CB4D8B05}">
+      <dgm:prSet/>
+      <dgm:spPr/>
+      <dgm:t>
+        <a:bodyPr/>
+        <a:lstStyle/>
+        <a:p>
+          <a:endParaRPr lang="en-US"/>
+        </a:p>
+      </dgm:t>
+    </dgm:pt>
+    <dgm:pt modelId="{7E8BFAA2-10F5-5A4B-AE41-9AAFAACD4C69}" type="sibTrans" cxnId="{0C7D96B5-CB42-A74F-B317-C425CB4D8B05}">
+      <dgm:prSet/>
+      <dgm:spPr/>
+      <dgm:t>
+        <a:bodyPr/>
+        <a:lstStyle/>
+        <a:p>
+          <a:endParaRPr lang="en-US"/>
+        </a:p>
+      </dgm:t>
+    </dgm:pt>
+    <dgm:pt modelId="{40428372-00B6-C34D-AD90-6C4F5EAF7A7F}">
+      <dgm:prSet phldrT="[Text]"/>
+      <dgm:spPr/>
+      <dgm:t>
+        <a:bodyPr/>
+        <a:lstStyle/>
+        <a:p>
+          <a:r>
+            <a:rPr lang="en-US" dirty="0" smtClean="0"/>
+            <a:t>18.5-25</a:t>
+          </a:r>
+          <a:endParaRPr lang="en-US" dirty="0"/>
+        </a:p>
+      </dgm:t>
+    </dgm:pt>
+    <dgm:pt modelId="{47765042-9BC0-9D41-9416-4CABA83DFBB8}" type="parTrans" cxnId="{B295AAC3-9ACB-6B47-B2B9-677B94B97318}">
+      <dgm:prSet/>
+      <dgm:spPr/>
+      <dgm:t>
+        <a:bodyPr/>
+        <a:lstStyle/>
+        <a:p>
+          <a:endParaRPr lang="en-US"/>
+        </a:p>
+      </dgm:t>
+    </dgm:pt>
+    <dgm:pt modelId="{2056D573-1DF9-6A48-9156-38DCB006F37A}" type="sibTrans" cxnId="{B295AAC3-9ACB-6B47-B2B9-677B94B97318}">
+      <dgm:prSet/>
+      <dgm:spPr/>
+      <dgm:t>
+        <a:bodyPr/>
+        <a:lstStyle/>
+        <a:p>
+          <a:endParaRPr lang="en-US"/>
+        </a:p>
+      </dgm:t>
+    </dgm:pt>
+    <dgm:pt modelId="{5F559AF1-37E9-2941-A0DE-65F7D1902F16}">
+      <dgm:prSet phldrT="[Text]"/>
+      <dgm:spPr/>
+      <dgm:t>
+        <a:bodyPr/>
+        <a:lstStyle/>
+        <a:p>
+          <a:r>
+            <a:rPr lang="en-US" smtClean="0"/>
+            <a:t>&gt;25</a:t>
+          </a:r>
+          <a:endParaRPr lang="en-US"/>
+        </a:p>
+      </dgm:t>
+    </dgm:pt>
+    <dgm:pt modelId="{8BB2901F-FF70-9D47-8856-FA1D60E8A82A}" type="parTrans" cxnId="{E6317AEF-2360-2F4B-8913-9ADB520A4029}">
+      <dgm:prSet/>
+      <dgm:spPr/>
+      <dgm:t>
+        <a:bodyPr/>
+        <a:lstStyle/>
+        <a:p>
+          <a:endParaRPr lang="en-US"/>
+        </a:p>
+      </dgm:t>
+    </dgm:pt>
+    <dgm:pt modelId="{63E8A89B-C06B-FC4F-9BEA-5394D58E11B6}" type="sibTrans" cxnId="{E6317AEF-2360-2F4B-8913-9ADB520A4029}">
+      <dgm:prSet/>
+      <dgm:spPr/>
+      <dgm:t>
+        <a:bodyPr/>
+        <a:lstStyle/>
+        <a:p>
+          <a:endParaRPr lang="en-US"/>
+        </a:p>
+      </dgm:t>
+    </dgm:pt>
+    <dgm:pt modelId="{C97421ED-9C67-6241-B179-2A91CCBAFA48}" type="pres">
+      <dgm:prSet presAssocID="{9C1F7144-1E12-884B-95A7-734ED95560FA}" presName="compositeShape" presStyleCnt="0">
+        <dgm:presLayoutVars>
+          <dgm:dir/>
+          <dgm:resizeHandles/>
+        </dgm:presLayoutVars>
+      </dgm:prSet>
+      <dgm:spPr/>
+    </dgm:pt>
+    <dgm:pt modelId="{404EAA4E-956E-5348-8DB1-5C2DBF1319D8}" type="pres">
+      <dgm:prSet presAssocID="{9C1F7144-1E12-884B-95A7-734ED95560FA}" presName="pyramid" presStyleLbl="node1" presStyleIdx="0" presStyleCnt="1"/>
+      <dgm:spPr/>
+    </dgm:pt>
+    <dgm:pt modelId="{172099B9-120A-304F-8072-FEAD9D92AD34}" type="pres">
+      <dgm:prSet presAssocID="{9C1F7144-1E12-884B-95A7-734ED95560FA}" presName="theList" presStyleCnt="0"/>
+      <dgm:spPr/>
+    </dgm:pt>
+    <dgm:pt modelId="{6C49C256-0F74-1E41-B528-511078B472C4}" type="pres">
+      <dgm:prSet presAssocID="{81FDF275-7254-A94A-AEC2-4B00E1908302}" presName="aNode" presStyleLbl="fgAcc1" presStyleIdx="0" presStyleCnt="3">
+        <dgm:presLayoutVars>
+          <dgm:bulletEnabled val="1"/>
+        </dgm:presLayoutVars>
+      </dgm:prSet>
+      <dgm:spPr/>
+    </dgm:pt>
+    <dgm:pt modelId="{C7A3F325-B32E-7A4B-8D06-14B36BEBB6AD}" type="pres">
+      <dgm:prSet presAssocID="{81FDF275-7254-A94A-AEC2-4B00E1908302}" presName="aSpace" presStyleCnt="0"/>
+      <dgm:spPr/>
+    </dgm:pt>
+    <dgm:pt modelId="{486B622B-2AE7-6E40-86E0-B85E07B15E57}" type="pres">
+      <dgm:prSet presAssocID="{40428372-00B6-C34D-AD90-6C4F5EAF7A7F}" presName="aNode" presStyleLbl="fgAcc1" presStyleIdx="1" presStyleCnt="3">
+        <dgm:presLayoutVars>
+          <dgm:bulletEnabled val="1"/>
+        </dgm:presLayoutVars>
+      </dgm:prSet>
+      <dgm:spPr/>
+    </dgm:pt>
+    <dgm:pt modelId="{6968BD99-C476-5642-8015-9F5357D110C3}" type="pres">
+      <dgm:prSet presAssocID="{40428372-00B6-C34D-AD90-6C4F5EAF7A7F}" presName="aSpace" presStyleCnt="0"/>
+      <dgm:spPr/>
+    </dgm:pt>
+    <dgm:pt modelId="{99640548-C84B-C84D-85CE-E48151BE2DC6}" type="pres">
+      <dgm:prSet presAssocID="{5F559AF1-37E9-2941-A0DE-65F7D1902F16}" presName="aNode" presStyleLbl="fgAcc1" presStyleIdx="2" presStyleCnt="3">
+        <dgm:presLayoutVars>
+          <dgm:bulletEnabled val="1"/>
+        </dgm:presLayoutVars>
+      </dgm:prSet>
+      <dgm:spPr/>
+    </dgm:pt>
+    <dgm:pt modelId="{981BD79E-FF1F-6348-8D9D-FADAE441BA75}" type="pres">
+      <dgm:prSet presAssocID="{5F559AF1-37E9-2941-A0DE-65F7D1902F16}" presName="aSpace" presStyleCnt="0"/>
+      <dgm:spPr/>
+    </dgm:pt>
+  </dgm:ptLst>
+  <dgm:cxnLst>
+    <dgm:cxn modelId="{E6317AEF-2360-2F4B-8913-9ADB520A4029}" srcId="{9C1F7144-1E12-884B-95A7-734ED95560FA}" destId="{5F559AF1-37E9-2941-A0DE-65F7D1902F16}" srcOrd="2" destOrd="0" parTransId="{8BB2901F-FF70-9D47-8856-FA1D60E8A82A}" sibTransId="{63E8A89B-C06B-FC4F-9BEA-5394D58E11B6}"/>
+    <dgm:cxn modelId="{D99E12BE-1438-8D47-81BE-2D3127E758B8}" type="presOf" srcId="{81FDF275-7254-A94A-AEC2-4B00E1908302}" destId="{6C49C256-0F74-1E41-B528-511078B472C4}" srcOrd="0" destOrd="0" presId="urn:microsoft.com/office/officeart/2005/8/layout/pyramid2"/>
+    <dgm:cxn modelId="{00FC8B3C-3B69-B74D-A07B-FF660387BC9C}" type="presOf" srcId="{40428372-00B6-C34D-AD90-6C4F5EAF7A7F}" destId="{486B622B-2AE7-6E40-86E0-B85E07B15E57}" srcOrd="0" destOrd="0" presId="urn:microsoft.com/office/officeart/2005/8/layout/pyramid2"/>
+    <dgm:cxn modelId="{0C7D96B5-CB42-A74F-B317-C425CB4D8B05}" srcId="{9C1F7144-1E12-884B-95A7-734ED95560FA}" destId="{81FDF275-7254-A94A-AEC2-4B00E1908302}" srcOrd="0" destOrd="0" parTransId="{306B6C42-AE8C-C14E-B5B1-49AF6921385D}" sibTransId="{7E8BFAA2-10F5-5A4B-AE41-9AAFAACD4C69}"/>
+    <dgm:cxn modelId="{27490397-6D35-E547-A955-C0717619EB2E}" type="presOf" srcId="{5F559AF1-37E9-2941-A0DE-65F7D1902F16}" destId="{99640548-C84B-C84D-85CE-E48151BE2DC6}" srcOrd="0" destOrd="0" presId="urn:microsoft.com/office/officeart/2005/8/layout/pyramid2"/>
+    <dgm:cxn modelId="{AF7CE18A-BAAE-704C-B973-1C974AB48D32}" type="presOf" srcId="{9C1F7144-1E12-884B-95A7-734ED95560FA}" destId="{C97421ED-9C67-6241-B179-2A91CCBAFA48}" srcOrd="0" destOrd="0" presId="urn:microsoft.com/office/officeart/2005/8/layout/pyramid2"/>
+    <dgm:cxn modelId="{B295AAC3-9ACB-6B47-B2B9-677B94B97318}" srcId="{9C1F7144-1E12-884B-95A7-734ED95560FA}" destId="{40428372-00B6-C34D-AD90-6C4F5EAF7A7F}" srcOrd="1" destOrd="0" parTransId="{47765042-9BC0-9D41-9416-4CABA83DFBB8}" sibTransId="{2056D573-1DF9-6A48-9156-38DCB006F37A}"/>
+    <dgm:cxn modelId="{FD4F349C-EA5E-0F45-BD60-2059566FCD4A}" type="presParOf" srcId="{C97421ED-9C67-6241-B179-2A91CCBAFA48}" destId="{404EAA4E-956E-5348-8DB1-5C2DBF1319D8}" srcOrd="0" destOrd="0" presId="urn:microsoft.com/office/officeart/2005/8/layout/pyramid2"/>
+    <dgm:cxn modelId="{9FE0BDDC-7DCE-F34E-B9F9-40C4A97873D0}" type="presParOf" srcId="{C97421ED-9C67-6241-B179-2A91CCBAFA48}" destId="{172099B9-120A-304F-8072-FEAD9D92AD34}" srcOrd="1" destOrd="0" presId="urn:microsoft.com/office/officeart/2005/8/layout/pyramid2"/>
+    <dgm:cxn modelId="{03BF5E91-D2BB-7048-B0E0-A055F8F75DDC}" type="presParOf" srcId="{172099B9-120A-304F-8072-FEAD9D92AD34}" destId="{6C49C256-0F74-1E41-B528-511078B472C4}" srcOrd="0" destOrd="0" presId="urn:microsoft.com/office/officeart/2005/8/layout/pyramid2"/>
+    <dgm:cxn modelId="{7A955211-1DC4-4243-9383-51487AD148D6}" type="presParOf" srcId="{172099B9-120A-304F-8072-FEAD9D92AD34}" destId="{C7A3F325-B32E-7A4B-8D06-14B36BEBB6AD}" srcOrd="1" destOrd="0" presId="urn:microsoft.com/office/officeart/2005/8/layout/pyramid2"/>
+    <dgm:cxn modelId="{B7D78A00-EAEC-C44C-B6F4-F5242760C33A}" type="presParOf" srcId="{172099B9-120A-304F-8072-FEAD9D92AD34}" destId="{486B622B-2AE7-6E40-86E0-B85E07B15E57}" srcOrd="2" destOrd="0" presId="urn:microsoft.com/office/officeart/2005/8/layout/pyramid2"/>
+    <dgm:cxn modelId="{BC9990D7-6B56-1A46-A864-EBB92F88EEFC}" type="presParOf" srcId="{172099B9-120A-304F-8072-FEAD9D92AD34}" destId="{6968BD99-C476-5642-8015-9F5357D110C3}" srcOrd="3" destOrd="0" presId="urn:microsoft.com/office/officeart/2005/8/layout/pyramid2"/>
+    <dgm:cxn modelId="{65E004CB-C848-D844-A89A-41511F67677B}" type="presParOf" srcId="{172099B9-120A-304F-8072-FEAD9D92AD34}" destId="{99640548-C84B-C84D-85CE-E48151BE2DC6}" srcOrd="4" destOrd="0" presId="urn:microsoft.com/office/officeart/2005/8/layout/pyramid2"/>
+    <dgm:cxn modelId="{240F0B8A-DF7B-304E-B854-F40280280CC4}" type="presParOf" srcId="{172099B9-120A-304F-8072-FEAD9D92AD34}" destId="{981BD79E-FF1F-6348-8D9D-FADAE441BA75}" srcOrd="5" destOrd="0" presId="urn:microsoft.com/office/officeart/2005/8/layout/pyramid2"/>
+  </dgm:cxnLst>
+  <dgm:bg/>
+  <dgm:whole/>
+  <dgm:extLst>
+    <a:ext uri="http://schemas.microsoft.com/office/drawing/2008/diagram">
+      <dsp:dataModelExt xmlns:dsp="http://schemas.microsoft.com/office/drawing/2008/diagram" relId="rId6" minVer="http://schemas.openxmlformats.org/drawingml/2006/diagram"/>
+    </a:ext>
+  </dgm:extLst>
+</dgm:dataModel>
+</file>
+
+<file path=ppt/diagrams/drawing1.xml><?xml version="1.0" encoding="utf-8"?>
+<dsp:drawing xmlns:dgm="http://schemas.openxmlformats.org/drawingml/2006/diagram" xmlns:dsp="http://schemas.microsoft.com/office/drawing/2008/diagram" xmlns:a="http://schemas.openxmlformats.org/drawingml/2006/main">
+  <dsp:spTree>
+    <dsp:nvGrpSpPr>
+      <dsp:cNvPr id="0" name=""/>
+      <dsp:cNvGrpSpPr/>
+    </dsp:nvGrpSpPr>
+    <dsp:grpSpPr/>
+    <dsp:sp modelId="{404EAA4E-956E-5348-8DB1-5C2DBF1319D8}">
+      <dsp:nvSpPr>
+        <dsp:cNvPr id="0" name=""/>
+        <dsp:cNvSpPr/>
+      </dsp:nvSpPr>
+      <dsp:spPr>
+        <a:xfrm>
+          <a:off x="449210" y="0"/>
+          <a:ext cx="1743968" cy="1743968"/>
+        </a:xfrm>
+        <a:prstGeom prst="triangle">
+          <a:avLst/>
+        </a:prstGeom>
+        <a:gradFill rotWithShape="0">
+          <a:gsLst>
+            <a:gs pos="0">
+              <a:schemeClr val="accent2">
+                <a:shade val="80000"/>
+                <a:hueOff val="0"/>
+                <a:satOff val="0"/>
+                <a:lumOff val="0"/>
+                <a:alphaOff val="0"/>
+                <a:tint val="96000"/>
+                <a:lumMod val="102000"/>
+              </a:schemeClr>
+            </a:gs>
+            <a:gs pos="100000">
+              <a:schemeClr val="accent2">
+                <a:shade val="80000"/>
+                <a:hueOff val="0"/>
+                <a:satOff val="0"/>
+                <a:lumOff val="0"/>
+                <a:alphaOff val="0"/>
+                <a:shade val="88000"/>
+                <a:lumMod val="94000"/>
+              </a:schemeClr>
+            </a:gs>
+          </a:gsLst>
+          <a:path path="circle">
+            <a:fillToRect l="50000" t="100000" r="100000" b="50000"/>
+          </a:path>
+        </a:gradFill>
+        <a:ln>
+          <a:noFill/>
+        </a:ln>
+        <a:effectLst>
+          <a:reflection blurRad="12700" stA="26000" endPos="32000" dist="12700" dir="5400000" sy="-100000" rotWithShape="0"/>
+        </a:effectLst>
+      </dsp:spPr>
+      <dsp:style>
+        <a:lnRef idx="0">
+          <a:scrgbClr r="0" g="0" b="0"/>
+        </a:lnRef>
+        <a:fillRef idx="3">
+          <a:scrgbClr r="0" g="0" b="0"/>
+        </a:fillRef>
+        <a:effectRef idx="2">
+          <a:scrgbClr r="0" g="0" b="0"/>
+        </a:effectRef>
+        <a:fontRef idx="minor">
+          <a:schemeClr val="lt1"/>
+        </a:fontRef>
+      </dsp:style>
+    </dsp:sp>
+    <dsp:sp modelId="{6C49C256-0F74-1E41-B528-511078B472C4}">
+      <dsp:nvSpPr>
+        <dsp:cNvPr id="0" name=""/>
+        <dsp:cNvSpPr/>
+      </dsp:nvSpPr>
+      <dsp:spPr>
+        <a:xfrm>
+          <a:off x="1321194" y="175333"/>
+          <a:ext cx="1133579" cy="412829"/>
+        </a:xfrm>
+        <a:prstGeom prst="roundRect">
+          <a:avLst/>
+        </a:prstGeom>
+        <a:solidFill>
+          <a:schemeClr val="lt1">
+            <a:alpha val="90000"/>
+            <a:hueOff val="0"/>
+            <a:satOff val="0"/>
+            <a:lumOff val="0"/>
+            <a:alphaOff val="0"/>
+          </a:schemeClr>
+        </a:solidFill>
+        <a:ln w="9525" cap="rnd" cmpd="sng" algn="ctr">
+          <a:solidFill>
+            <a:schemeClr val="accent2">
+              <a:shade val="80000"/>
+              <a:hueOff val="0"/>
+              <a:satOff val="0"/>
+              <a:lumOff val="0"/>
+              <a:alphaOff val="0"/>
+            </a:schemeClr>
+          </a:solidFill>
+          <a:prstDash val="solid"/>
+        </a:ln>
+        <a:effectLst/>
+      </dsp:spPr>
+      <dsp:style>
+        <a:lnRef idx="1">
+          <a:scrgbClr r="0" g="0" b="0"/>
+        </a:lnRef>
+        <a:fillRef idx="1">
+          <a:scrgbClr r="0" g="0" b="0"/>
+        </a:fillRef>
+        <a:effectRef idx="0">
+          <a:scrgbClr r="0" g="0" b="0"/>
+        </a:effectRef>
+        <a:fontRef idx="minor"/>
+      </dsp:style>
+      <dsp:txBody>
+        <a:bodyPr spcFirstLastPara="0" vert="horz" wrap="square" lIns="64770" tIns="64770" rIns="64770" bIns="64770" numCol="1" spcCol="1270" anchor="ctr" anchorCtr="0">
+          <a:noAutofit/>
+        </a:bodyPr>
+        <a:lstStyle/>
+        <a:p>
+          <a:pPr lvl="0" algn="ctr" defTabSz="755650">
+            <a:lnSpc>
+              <a:spcPct val="90000"/>
+            </a:lnSpc>
+            <a:spcBef>
+              <a:spcPct val="0"/>
+            </a:spcBef>
+            <a:spcAft>
+              <a:spcPct val="35000"/>
+            </a:spcAft>
+          </a:pPr>
+          <a:r>
+            <a:rPr lang="en-US" sz="1700" kern="1200" dirty="0" smtClean="0"/>
+            <a:t>&lt;18.5</a:t>
+          </a:r>
+          <a:endParaRPr lang="en-US" sz="1700" kern="1200" dirty="0"/>
+        </a:p>
+      </dsp:txBody>
+      <dsp:txXfrm>
+        <a:off x="1341347" y="195486"/>
+        <a:ext cx="1093273" cy="372523"/>
+      </dsp:txXfrm>
+    </dsp:sp>
+    <dsp:sp modelId="{486B622B-2AE7-6E40-86E0-B85E07B15E57}">
+      <dsp:nvSpPr>
+        <dsp:cNvPr id="0" name=""/>
+        <dsp:cNvSpPr/>
+      </dsp:nvSpPr>
+      <dsp:spPr>
+        <a:xfrm>
+          <a:off x="1321194" y="639767"/>
+          <a:ext cx="1133579" cy="412829"/>
+        </a:xfrm>
+        <a:prstGeom prst="roundRect">
+          <a:avLst/>
+        </a:prstGeom>
+        <a:solidFill>
+          <a:schemeClr val="lt1">
+            <a:alpha val="90000"/>
+            <a:hueOff val="0"/>
+            <a:satOff val="0"/>
+            <a:lumOff val="0"/>
+            <a:alphaOff val="0"/>
+          </a:schemeClr>
+        </a:solidFill>
+        <a:ln w="9525" cap="rnd" cmpd="sng" algn="ctr">
+          <a:solidFill>
+            <a:schemeClr val="accent2">
+              <a:shade val="80000"/>
+              <a:hueOff val="154781"/>
+              <a:satOff val="-975"/>
+              <a:lumOff val="12629"/>
+              <a:alphaOff val="0"/>
+            </a:schemeClr>
+          </a:solidFill>
+          <a:prstDash val="solid"/>
+        </a:ln>
+        <a:effectLst/>
+      </dsp:spPr>
+      <dsp:style>
+        <a:lnRef idx="1">
+          <a:scrgbClr r="0" g="0" b="0"/>
+        </a:lnRef>
+        <a:fillRef idx="1">
+          <a:scrgbClr r="0" g="0" b="0"/>
+        </a:fillRef>
+        <a:effectRef idx="0">
+          <a:scrgbClr r="0" g="0" b="0"/>
+        </a:effectRef>
+        <a:fontRef idx="minor"/>
+      </dsp:style>
+      <dsp:txBody>
+        <a:bodyPr spcFirstLastPara="0" vert="horz" wrap="square" lIns="64770" tIns="64770" rIns="64770" bIns="64770" numCol="1" spcCol="1270" anchor="ctr" anchorCtr="0">
+          <a:noAutofit/>
+        </a:bodyPr>
+        <a:lstStyle/>
+        <a:p>
+          <a:pPr lvl="0" algn="ctr" defTabSz="755650">
+            <a:lnSpc>
+              <a:spcPct val="90000"/>
+            </a:lnSpc>
+            <a:spcBef>
+              <a:spcPct val="0"/>
+            </a:spcBef>
+            <a:spcAft>
+              <a:spcPct val="35000"/>
+            </a:spcAft>
+          </a:pPr>
+          <a:r>
+            <a:rPr lang="en-US" sz="1700" kern="1200" dirty="0" smtClean="0"/>
+            <a:t>18.5-25</a:t>
+          </a:r>
+          <a:endParaRPr lang="en-US" sz="1700" kern="1200" dirty="0"/>
+        </a:p>
+      </dsp:txBody>
+      <dsp:txXfrm>
+        <a:off x="1341347" y="659920"/>
+        <a:ext cx="1093273" cy="372523"/>
+      </dsp:txXfrm>
+    </dsp:sp>
+    <dsp:sp modelId="{99640548-C84B-C84D-85CE-E48151BE2DC6}">
+      <dsp:nvSpPr>
+        <dsp:cNvPr id="0" name=""/>
+        <dsp:cNvSpPr/>
+      </dsp:nvSpPr>
+      <dsp:spPr>
+        <a:xfrm>
+          <a:off x="1321194" y="1104200"/>
+          <a:ext cx="1133579" cy="412829"/>
+        </a:xfrm>
+        <a:prstGeom prst="roundRect">
+          <a:avLst/>
+        </a:prstGeom>
+        <a:solidFill>
+          <a:schemeClr val="lt1">
+            <a:alpha val="90000"/>
+            <a:hueOff val="0"/>
+            <a:satOff val="0"/>
+            <a:lumOff val="0"/>
+            <a:alphaOff val="0"/>
+          </a:schemeClr>
+        </a:solidFill>
+        <a:ln w="9525" cap="rnd" cmpd="sng" algn="ctr">
+          <a:solidFill>
+            <a:schemeClr val="accent2">
+              <a:shade val="80000"/>
+              <a:hueOff val="309562"/>
+              <a:satOff val="-1950"/>
+              <a:lumOff val="25259"/>
+              <a:alphaOff val="0"/>
+            </a:schemeClr>
+          </a:solidFill>
+          <a:prstDash val="solid"/>
+        </a:ln>
+        <a:effectLst/>
+      </dsp:spPr>
+      <dsp:style>
+        <a:lnRef idx="1">
+          <a:scrgbClr r="0" g="0" b="0"/>
+        </a:lnRef>
+        <a:fillRef idx="1">
+          <a:scrgbClr r="0" g="0" b="0"/>
+        </a:fillRef>
+        <a:effectRef idx="0">
+          <a:scrgbClr r="0" g="0" b="0"/>
+        </a:effectRef>
+        <a:fontRef idx="minor"/>
+      </dsp:style>
+      <dsp:txBody>
+        <a:bodyPr spcFirstLastPara="0" vert="horz" wrap="square" lIns="64770" tIns="64770" rIns="64770" bIns="64770" numCol="1" spcCol="1270" anchor="ctr" anchorCtr="0">
+          <a:noAutofit/>
+        </a:bodyPr>
+        <a:lstStyle/>
+        <a:p>
+          <a:pPr lvl="0" algn="ctr" defTabSz="755650">
+            <a:lnSpc>
+              <a:spcPct val="90000"/>
+            </a:lnSpc>
+            <a:spcBef>
+              <a:spcPct val="0"/>
+            </a:spcBef>
+            <a:spcAft>
+              <a:spcPct val="35000"/>
+            </a:spcAft>
+          </a:pPr>
+          <a:r>
+            <a:rPr lang="en-US" sz="1700" kern="1200" smtClean="0"/>
+            <a:t>&gt;25</a:t>
+          </a:r>
+          <a:endParaRPr lang="en-US" sz="1700" kern="1200"/>
+        </a:p>
+      </dsp:txBody>
+      <dsp:txXfrm>
+        <a:off x="1341347" y="1124353"/>
+        <a:ext cx="1093273" cy="372523"/>
+      </dsp:txXfrm>
+    </dsp:sp>
+  </dsp:spTree>
+</dsp:drawing>
+</file>
+
+<file path=ppt/diagrams/layout1.xml><?xml version="1.0" encoding="utf-8"?>
+<dgm:layoutDef xmlns:dgm="http://schemas.openxmlformats.org/drawingml/2006/diagram" xmlns:a="http://schemas.openxmlformats.org/drawingml/2006/main" uniqueId="urn:microsoft.com/office/officeart/2005/8/layout/pyramid2">
+  <dgm:title val=""/>
+  <dgm:desc val=""/>
+  <dgm:catLst>
+    <dgm:cat type="pyramid" pri="3000"/>
+    <dgm:cat type="list" pri="21000"/>
+    <dgm:cat type="convert" pri="17000"/>
+  </dgm:catLst>
+  <dgm:sampData useDef="1">
+    <dgm:dataModel>
+      <dgm:ptLst/>
+      <dgm:bg/>
+      <dgm:whole/>
+    </dgm:dataModel>
+  </dgm:sampData>
+  <dgm:styleData useDef="1">
+    <dgm:dataModel>
+      <dgm:ptLst/>
+      <dgm:bg/>
+      <dgm:whole/>
+    </dgm:dataModel>
+  </dgm:styleData>
+  <dgm:clrData useDef="1">
+    <dgm:dataModel>
+      <dgm:ptLst/>
+      <dgm:bg/>
+      <dgm:whole/>
+    </dgm:dataModel>
+  </dgm:clrData>
+  <dgm:layoutNode name="compositeShape">
+    <dgm:alg type="composite"/>
+    <dgm:shape xmlns:r="http://schemas.openxmlformats.org/officeDocument/2006/relationships" r:blip="">
+      <dgm:adjLst/>
+    </dgm:shape>
+    <dgm:presOf/>
+    <dgm:varLst>
+      <dgm:dir/>
+      <dgm:resizeHandles/>
+    </dgm:varLst>
+    <dgm:choose name="Name0">
+      <dgm:if name="Name1" func="var" arg="dir" op="equ" val="norm">
+        <dgm:constrLst>
+          <dgm:constr type="w" for="ch" forName="pyramid" refType="h"/>
+          <dgm:constr type="h" for="ch" forName="pyramid" refType="h"/>
+          <dgm:constr type="h" for="ch" forName="theList" refType="h" fact="0.8"/>
+          <dgm:constr type="w" for="ch" forName="theList" refType="h" fact="0.65"/>
+          <dgm:constr type="ctrY" for="ch" forName="theList" refType="h" refFor="ch" refForName="pyramid" fact="0.5"/>
+          <dgm:constr type="l" for="ch" forName="theList" refType="w" refFor="ch" refForName="pyramid" fact="0.5"/>
+          <dgm:constr type="h" for="des" forName="aSpace" refType="h" fact="0.1"/>
+        </dgm:constrLst>
+      </dgm:if>
+      <dgm:else name="Name2">
+        <dgm:constrLst>
+          <dgm:constr type="w" for="ch" forName="pyramid" refType="h"/>
+          <dgm:constr type="h" for="ch" forName="pyramid" refType="h"/>
+          <dgm:constr type="h" for="ch" forName="theList" refType="h" fact="0.8"/>
+          <dgm:constr type="w" for="ch" forName="theList" refType="h" fact="0.65"/>
+          <dgm:constr type="ctrY" for="ch" forName="theList" refType="h" refFor="ch" refForName="pyramid" fact="0.5"/>
+          <dgm:constr type="r" for="ch" forName="theList" refType="w" refFor="ch" refForName="pyramid" fact="0.5"/>
+          <dgm:constr type="h" for="des" forName="aSpace" refType="h" fact="0.1"/>
+        </dgm:constrLst>
+      </dgm:else>
+    </dgm:choose>
+    <dgm:ruleLst/>
+    <dgm:choose name="Name3">
+      <dgm:if name="Name4" axis="ch" ptType="node" func="cnt" op="gte" val="1">
+        <dgm:layoutNode name="pyramid" styleLbl="node1">
+          <dgm:alg type="sp"/>
+          <dgm:shape xmlns:r="http://schemas.openxmlformats.org/officeDocument/2006/relationships" type="triangle" r:blip="">
+            <dgm:adjLst/>
+          </dgm:shape>
+          <dgm:presOf/>
+          <dgm:constrLst/>
+          <dgm:ruleLst/>
+        </dgm:layoutNode>
+        <dgm:layoutNode name="theList">
+          <dgm:alg type="lin">
+            <dgm:param type="linDir" val="fromT"/>
+          </dgm:alg>
+          <dgm:shape xmlns:r="http://schemas.openxmlformats.org/officeDocument/2006/relationships" r:blip="">
+            <dgm:adjLst/>
+          </dgm:shape>
+          <dgm:presOf/>
+          <dgm:constrLst>
+            <dgm:constr type="w" for="ch" forName="aNode" refType="w"/>
+            <dgm:constr type="h" for="ch" forName="aNode" refType="h"/>
+            <dgm:constr type="primFontSz" for="ch" ptType="node" op="equ"/>
+          </dgm:constrLst>
+          <dgm:ruleLst/>
+          <dgm:forEach name="aNodeForEach" axis="ch" ptType="node">
+            <dgm:layoutNode name="aNode" styleLbl="fgAcc1">
+              <dgm:varLst>
+                <dgm:bulletEnabled val="1"/>
+              </dgm:varLst>
+              <dgm:alg type="tx"/>
+              <dgm:shape xmlns:r="http://schemas.openxmlformats.org/officeDocument/2006/relationships" type="roundRect" r:blip="">
+                <dgm:adjLst/>
+              </dgm:shape>
+              <dgm:presOf axis="desOrSelf" ptType="node"/>
+              <dgm:constrLst>
+                <dgm:constr type="primFontSz" val="65"/>
+                <dgm:constr type="tMarg" refType="primFontSz" fact="0.3"/>
+                <dgm:constr type="bMarg" refType="primFontSz" fact="0.3"/>
+                <dgm:constr type="lMarg" refType="primFontSz" fact="0.3"/>
+                <dgm:constr type="rMarg" refType="primFontSz" fact="0.3"/>
+              </dgm:constrLst>
+              <dgm:ruleLst>
+                <dgm:rule type="primFontSz" val="5" fact="NaN" max="NaN"/>
+              </dgm:ruleLst>
+            </dgm:layoutNode>
+            <dgm:layoutNode name="aSpace">
+              <dgm:alg type="sp"/>
+              <dgm:shape xmlns:r="http://schemas.openxmlformats.org/officeDocument/2006/relationships" r:blip="">
+                <dgm:adjLst/>
+              </dgm:shape>
+              <dgm:presOf/>
+              <dgm:constrLst/>
+              <dgm:ruleLst/>
+            </dgm:layoutNode>
+          </dgm:forEach>
+        </dgm:layoutNode>
+      </dgm:if>
+      <dgm:else name="Name5"/>
+    </dgm:choose>
+  </dgm:layoutNode>
+</dgm:layoutDef>
+</file>
+
+<file path=ppt/diagrams/quickStyle1.xml><?xml version="1.0" encoding="utf-8"?>
+<dgm:styleDef xmlns:dgm="http://schemas.openxmlformats.org/drawingml/2006/diagram" xmlns:a="http://schemas.openxmlformats.org/drawingml/2006/main" uniqueId="urn:microsoft.com/office/officeart/2005/8/quickstyle/simple4">
+  <dgm:title val=""/>
+  <dgm:desc val=""/>
+  <dgm:catLst>
+    <dgm:cat type="simple" pri="10400"/>
+  </dgm:catLst>
+  <dgm:scene3d>
+    <a:camera prst="orthographicFront"/>
+    <a:lightRig rig="threePt" dir="t"/>
+  </dgm:scene3d>
+  <dgm:styleLbl name="node0">
+    <dgm:scene3d>
+      <a:camera prst="orthographicFront"/>
+      <a:lightRig rig="threePt" dir="t"/>
+    </dgm:scene3d>
+    <dgm:sp3d/>
+    <dgm:txPr/>
+    <dgm:style>
+      <a:lnRef idx="0">
+        <a:scrgbClr r="0" g="0" b="0"/>
+      </a:lnRef>
+      <a:fillRef idx="3">
+        <a:scrgbClr r="0" g="0" b="0"/>
+      </a:fillRef>
+      <a:effectRef idx="2">
+        <a:scrgbClr r="0" g="0" b="0"/>
+      </a:effectRef>
+      <a:fontRef idx="minor">
+        <a:schemeClr val="lt1"/>
+      </a:fontRef>
+    </dgm:style>
+  </dgm:styleLbl>
+  <dgm:styleLbl name="lnNode1">
+    <dgm:scene3d>
+      <a:camera prst="orthographicFront"/>
+      <a:lightRig rig="threePt" dir="t"/>
+    </dgm:scene3d>
+    <dgm:sp3d/>
+    <dgm:txPr/>
+    <dgm:style>
+      <a:lnRef idx="1">
+        <a:scrgbClr r="0" g="0" b="0"/>
+      </a:lnRef>
+      <a:fillRef idx="3">
+        <a:scrgbClr r="0" g="0" b="0"/>
+      </a:fillRef>
+      <a:effectRef idx="2">
+        <a:scrgbClr r="0" g="0" b="0"/>
+      </a:effectRef>
+      <a:fontRef idx="minor">
+        <a:schemeClr val="lt1"/>
+      </a:fontRef>
+    </dgm:style>
+  </dgm:styleLbl>
+  <dgm:styleLbl name="vennNode1">
+    <dgm:scene3d>
+      <a:camera prst="orthographicFront"/>
+      <a:lightRig rig="threePt" dir="t"/>
+    </dgm:scene3d>
+    <dgm:sp3d/>
+    <dgm:txPr/>
+    <dgm:style>
+      <a:lnRef idx="0">
+        <a:scrgbClr r="0" g="0" b="0"/>
+      </a:lnRef>
+      <a:fillRef idx="3">
+        <a:scrgbClr r="0" g="0" b="0"/>
+      </a:fillRef>
+      <a:effectRef idx="0">
+        <a:scrgbClr r="0" g="0" b="0"/>
+      </a:effectRef>
+      <a:fontRef idx="minor">
+        <a:schemeClr val="tx1"/>
+      </a:fontRef>
+    </dgm:style>
+  </dgm:styleLbl>
+  <dgm:styleLbl name="alignNode1">
+    <dgm:scene3d>
+      <a:camera prst="orthographicFront"/>
+      <a:lightRig rig="threePt" dir="t"/>
+    </dgm:scene3d>
+    <dgm:sp3d/>
+    <dgm:txPr/>
+    <dgm:style>
+      <a:lnRef idx="1">
+        <a:scrgbClr r="0" g="0" b="0"/>
+      </a:lnRef>
+      <a:fillRef idx="3">
+        <a:scrgbClr r="0" g="0" b="0"/>
+      </a:fillRef>
+      <a:effectRef idx="2">
+        <a:scrgbClr r="0" g="0" b="0"/>
+      </a:effectRef>
+      <a:fontRef idx="minor">
+        <a:schemeClr val="lt1"/>
+      </a:fontRef>
+    </dgm:style>
+  </dgm:styleLbl>
+  <dgm:styleLbl name="node1">
+    <dgm:scene3d>
+      <a:camera prst="orthographicFront"/>
+      <a:lightRig rig="threePt" dir="t"/>
+    </dgm:scene3d>
+    <dgm:sp3d/>
+    <dgm:txPr/>
+    <dgm:style>
+      <a:lnRef idx="0">
+        <a:scrgbClr r="0" g="0" b="0"/>
+      </a:lnRef>
+      <a:fillRef idx="3">
+        <a:scrgbClr r="0" g="0" b="0"/>
+      </a:fillRef>
+      <a:effectRef idx="2">
+        <a:scrgbClr r="0" g="0" b="0"/>
+      </a:effectRef>
+      <a:fontRef idx="minor">
+        <a:schemeClr val="lt1"/>
+      </a:fontRef>
+    </dgm:style>
+  </dgm:styleLbl>
+  <dgm:styleLbl name="node2">
+    <dgm:scene3d>
+      <a:camera prst="orthographicFront"/>
+      <a:lightRig rig="threePt" dir="t"/>
+    </dgm:scene3d>
+    <dgm:sp3d/>
+    <dgm:txPr/>
+    <dgm:style>
+      <a:lnRef idx="0">
+        <a:scrgbClr r="0" g="0" b="0"/>
+      </a:lnRef>
+      <a:fillRef idx="3">
+        <a:scrgbClr r="0" g="0" b="0"/>
+      </a:fillRef>
+      <a:effectRef idx="2">
+        <a:scrgbClr r="0" g="0" b="0"/>
+      </a:effectRef>
+      <a:fontRef idx="minor">
+        <a:schemeClr val="lt1"/>
+      </a:fontRef>
+    </dgm:style>
+  </dgm:styleLbl>
+  <dgm:styleLbl name="node3">
+    <dgm:scene3d>
+      <a:camera prst="orthographicFront"/>
+      <a:lightRig rig="threePt" dir="t"/>
+    </dgm:scene3d>
+    <dgm:sp3d/>
+    <dgm:txPr/>
+    <dgm:style>
+      <a:lnRef idx="0">
+        <a:scrgbClr r="0" g="0" b="0"/>
+      </a:lnRef>
+      <a:fillRef idx="3">
+        <a:scrgbClr r="0" g="0" b="0"/>
+      </a:fillRef>
+      <a:effectRef idx="2">
+        <a:scrgbClr r="0" g="0" b="0"/>
+      </a:effectRef>
+      <a:fontRef idx="minor">
+        <a:schemeClr val="lt1"/>
+      </a:fontRef>
+    </dgm:style>
+  </dgm:styleLbl>
+  <dgm:styleLbl name="node4">
+    <dgm:scene3d>
+      <a:camera prst="orthographicFront"/>
+      <a:lightRig rig="threePt" dir="t"/>
+    </dgm:scene3d>
+    <dgm:sp3d/>
+    <dgm:txPr/>
+    <dgm:style>
+      <a:lnRef idx="0">
+        <a:scrgbClr r="0" g="0" b="0"/>
+      </a:lnRef>
+      <a:fillRef idx="3">
+        <a:scrgbClr r="0" g="0" b="0"/>
+      </a:fillRef>
+      <a:effectRef idx="2">
+        <a:scrgbClr r="0" g="0" b="0"/>
+      </a:effectRef>
+      <a:fontRef idx="minor">
+        <a:schemeClr val="lt1"/>
+      </a:fontRef>
+    </dgm:style>
+  </dgm:styleLbl>
+  <dgm:styleLbl name="fgImgPlace1">
+    <dgm:scene3d>
+      <a:camera prst="orthographicFront"/>
+      <a:lightRig rig="threePt" dir="t"/>
+    </dgm:scene3d>
+    <dgm:sp3d/>
+    <dgm:txPr/>
+    <dgm:style>
+      <a:lnRef idx="0">
+        <a:scrgbClr r="0" g="0" b="0"/>
+      </a:lnRef>
+      <a:fillRef idx="1">
+        <a:scrgbClr r="0" g="0" b="0"/>
+      </a:fillRef>
+      <a:effectRef idx="2">
+        <a:scrgbClr r="0" g="0" b="0"/>
+      </a:effectRef>
+      <a:fontRef idx="minor"/>
+    </dgm:style>
+  </dgm:styleLbl>
+  <dgm:styleLbl name="alignImgPlace1">
+    <dgm:scene3d>
+      <a:camera prst="orthographicFront"/>
+      <a:lightRig rig="threePt" dir="t"/>
+    </dgm:scene3d>
+    <dgm:sp3d/>
+    <dgm:txPr/>
+    <dgm:style>
+      <a:lnRef idx="0">
+        <a:scrgbClr r="0" g="0" b="0"/>
+      </a:lnRef>
+      <a:fillRef idx="1">
+        <a:scrgbClr r="0" g="0" b="0"/>
+      </a:fillRef>
+      <a:effectRef idx="2">
+        <a:scrgbClr r="0" g="0" b="0"/>
+      </a:effectRef>
+      <a:fontRef idx="minor"/>
+    </dgm:style>
+  </dgm:styleLbl>
+  <dgm:styleLbl name="bgImgPlace1">
+    <dgm:scene3d>
+      <a:camera prst="orthographicFront"/>
+      <a:lightRig rig="threePt" dir="t"/>
+    </dgm:scene3d>
+    <dgm:sp3d/>
+    <dgm:txPr/>
+    <dgm:style>
+      <a:lnRef idx="0">
+        <a:scrgbClr r="0" g="0" b="0"/>
+      </a:lnRef>
+      <a:fillRef idx="1">
+        <a:scrgbClr r="0" g="0" b="0"/>
+      </a:fillRef>
+      <a:effectRef idx="2">
+        <a:scrgbClr r="0" g="0" b="0"/>
+      </a:effectRef>
+      <a:fontRef idx="minor"/>
+    </dgm:style>
+  </dgm:styleLbl>
+  <dgm:styleLbl name="sibTrans2D1">
+    <dgm:scene3d>
+      <a:camera prst="orthographicFront"/>
+      <a:lightRig rig="threePt" dir="t"/>
+    </dgm:scene3d>
+    <dgm:sp3d/>
+    <dgm:txPr/>
+    <dgm:style>
+      <a:lnRef idx="0">
+        <a:scrgbClr r="0" g="0" b="0"/>
+      </a:lnRef>
+      <a:fillRef idx="3">
+        <a:scrgbClr r="0" g="0" b="0"/>
+      </a:fillRef>
+      <a:effectRef idx="2">
+        <a:scrgbClr r="0" g="0" b="0"/>
+      </a:effectRef>
+      <a:fontRef idx="minor">
+        <a:schemeClr val="lt1"/>
+      </a:fontRef>
+    </dgm:style>
+  </dgm:styleLbl>
+  <dgm:styleLbl name="fgSibTrans2D1">
+    <dgm:scene3d>
+      <a:camera prst="orthographicFront"/>
+      <a:lightRig rig="threePt" dir="t"/>
+    </dgm:scene3d>
+    <dgm:sp3d/>
+    <dgm:txPr/>
+    <dgm:style>
+      <a:lnRef idx="0">
+        <a:scrgbClr r="0" g="0" b="0"/>
+      </a:lnRef>
+      <a:fillRef idx="3">
+        <a:scrgbClr r="0" g="0" b="0"/>
+      </a:fillRef>
+      <a:effectRef idx="2">
+        <a:scrgbClr r="0" g="0" b="0"/>
+      </a:effectRef>
+      <a:fontRef idx="minor">
+        <a:schemeClr val="lt1"/>
+      </a:fontRef>
+    </dgm:style>
+  </dgm:styleLbl>
+  <dgm:styleLbl name="bgSibTrans2D1">
+    <dgm:scene3d>
+      <a:camera prst="orthographicFront"/>
+      <a:lightRig rig="threePt" dir="t"/>
+    </dgm:scene3d>
+    <dgm:sp3d/>
+    <dgm:txPr/>
+    <dgm:style>
+      <a:lnRef idx="0">
+        <a:scrgbClr r="0" g="0" b="0"/>
+      </a:lnRef>
+      <a:fillRef idx="3">
+        <a:scrgbClr r="0" g="0" b="0"/>
+      </a:fillRef>
+      <a:effectRef idx="2">
+        <a:scrgbClr r="0" g="0" b="0"/>
+      </a:effectRef>
+      <a:fontRef idx="minor">
+        <a:schemeClr val="lt1"/>
+      </a:fontRef>
+    </dgm:style>
+  </dgm:styleLbl>
+  <dgm:styleLbl name="sibTrans1D1">
+    <dgm:scene3d>
+      <a:camera prst="orthographicFront"/>
+      <a:lightRig rig="threePt" dir="t"/>
+    </dgm:scene3d>
+    <dgm:sp3d/>
+    <dgm:txPr/>
+    <dgm:style>
+      <a:lnRef idx="1">
+        <a:scrgbClr r="0" g="0" b="0"/>
+      </a:lnRef>
+      <a:fillRef idx="0">
+        <a:scrgbClr r="0" g="0" b="0"/>
+      </a:fillRef>
+      <a:effectRef idx="0">
+        <a:scrgbClr r="0" g="0" b="0"/>
+      </a:effectRef>
+      <a:fontRef idx="minor"/>
+    </dgm:style>
+  </dgm:styleLbl>
+  <dgm:styleLbl name="callout">
+    <dgm:scene3d>
+      <a:camera prst="orthographicFront"/>
+      <a:lightRig rig="threePt" dir="t"/>
+    </dgm:scene3d>
+    <dgm:sp3d/>
+    <dgm:txPr/>
+    <dgm:style>
+      <a:lnRef idx="2">
+        <a:scrgbClr r="0" g="0" b="0"/>
+      </a:lnRef>
+      <a:fillRef idx="1">
+        <a:scrgbClr r="0" g="0" b="0"/>
+      </a:fillRef>
+      <a:effectRef idx="1">
+        <a:scrgbClr r="0" g="0" b="0"/>
+      </a:effectRef>
+      <a:fontRef idx="minor"/>
+    </dgm:style>
+  </dgm:styleLbl>
+  <dgm:styleLbl name="asst0">
+    <dgm:scene3d>
+      <a:camera prst="orthographicFront"/>
+      <a:lightRig rig="threePt" dir="t"/>
+    </dgm:scene3d>
+    <dgm:sp3d/>
+    <dgm:txPr/>
+    <dgm:style>
+      <a:lnRef idx="0">
+        <a:scrgbClr r="0" g="0" b="0"/>
+      </a:lnRef>
+      <a:fillRef idx="3">
+        <a:scrgbClr r="0" g="0" b="0"/>
+      </a:fillRef>
+      <a:effectRef idx="2">
+        <a:scrgbClr r="0" g="0" b="0"/>
+      </a:effectRef>
+      <a:fontRef idx="minor">
+        <a:schemeClr val="lt1"/>
+      </a:fontRef>
+    </dgm:style>
+  </dgm:styleLbl>
+  <dgm:styleLbl name="asst1">
+    <dgm:scene3d>
+      <a:camera prst="orthographicFront"/>
+      <a:lightRig rig="threePt" dir="t"/>
+    </dgm:scene3d>
+    <dgm:sp3d/>
+    <dgm:txPr/>
+    <dgm:style>
+      <a:lnRef idx="0">
+        <a:scrgbClr r="0" g="0" b="0"/>
+      </a:lnRef>
+      <a:fillRef idx="3">
+        <a:scrgbClr r="0" g="0" b="0"/>
+      </a:fillRef>
+      <a:effectRef idx="2">
+        <a:scrgbClr r="0" g="0" b="0"/>
+      </a:effectRef>
+      <a:fontRef idx="minor">
+        <a:schemeClr val="lt1"/>
+      </a:fontRef>
+    </dgm:style>
+  </dgm:styleLbl>
+  <dgm:styleLbl name="asst2">
+    <dgm:scene3d>
+      <a:camera prst="orthographicFront"/>
+      <a:lightRig rig="threePt" dir="t"/>
+    </dgm:scene3d>
+    <dgm:sp3d/>
+    <dgm:txPr/>
+    <dgm:style>
+      <a:lnRef idx="0">
+        <a:scrgbClr r="0" g="0" b="0"/>
+      </a:lnRef>
+      <a:fillRef idx="3">
+        <a:scrgbClr r="0" g="0" b="0"/>
+      </a:fillRef>
+      <a:effectRef idx="2">
+        <a:scrgbClr r="0" g="0" b="0"/>
+      </a:effectRef>
+      <a:fontRef idx="minor">
+        <a:schemeClr val="lt1"/>
+      </a:fontRef>
+    </dgm:style>
+  </dgm:styleLbl>
+  <dgm:styleLbl name="asst3">
+    <dgm:scene3d>
+      <a:camera prst="orthographicFront"/>
+      <a:lightRig rig="threePt" dir="t"/>
+    </dgm:scene3d>
+    <dgm:sp3d/>
+    <dgm:txPr/>
+    <dgm:style>
+      <a:lnRef idx="0">
+        <a:scrgbClr r="0" g="0" b="0"/>
+      </a:lnRef>
+      <a:fillRef idx="3">
+        <a:scrgbClr r="0" g="0" b="0"/>
+      </a:fillRef>
+      <a:effectRef idx="2">
+        <a:scrgbClr r="0" g="0" b="0"/>
+      </a:effectRef>
+      <a:fontRef idx="minor">
+        <a:schemeClr val="lt1"/>
+      </a:fontRef>
+    </dgm:style>
+  </dgm:styleLbl>
+  <dgm:styleLbl name="asst4">
+    <dgm:scene3d>
+      <a:camera prst="orthographicFront"/>
+      <a:lightRig rig="threePt" dir="t"/>
+    </dgm:scene3d>
+    <dgm:sp3d/>
+    <dgm:txPr/>
+    <dgm:style>
+      <a:lnRef idx="0">
+        <a:scrgbClr r="0" g="0" b="0"/>
+      </a:lnRef>
+      <a:fillRef idx="3">
+        <a:scrgbClr r="0" g="0" b="0"/>
+      </a:fillRef>
+      <a:effectRef idx="2">
+        <a:scrgbClr r="0" g="0" b="0"/>
+      </a:effectRef>
+      <a:fontRef idx="minor">
+        <a:schemeClr val="lt1"/>
+      </a:fontRef>
+    </dgm:style>
+  </dgm:styleLbl>
+  <dgm:styleLbl name="parChTrans2D1">
+    <dgm:scene3d>
+      <a:camera prst="orthographicFront"/>
+      <a:lightRig rig="threePt" dir="t"/>
+    </dgm:scene3d>
+    <dgm:sp3d/>
+    <dgm:txPr/>
+    <dgm:style>
+      <a:lnRef idx="0">
+        <a:scrgbClr r="0" g="0" b="0"/>
+      </a:lnRef>
+      <a:fillRef idx="3">
+        <a:scrgbClr r="0" g="0" b="0"/>
+      </a:fillRef>
+      <a:effectRef idx="2">
+        <a:scrgbClr r="0" g="0" b="0"/>
+      </a:effectRef>
+      <a:fontRef idx="minor">
+        <a:schemeClr val="lt1"/>
+      </a:fontRef>
+    </dgm:style>
+  </dgm:styleLbl>
+  <dgm:styleLbl name="parChTrans2D2">
+    <dgm:scene3d>
+      <a:camera prst="orthographicFront"/>
+      <a:lightRig rig="threePt" dir="t"/>
+    </dgm:scene3d>
+    <dgm:sp3d/>
+    <dgm:txPr/>
+    <dgm:style>
+      <a:lnRef idx="0">
+        <a:scrgbClr r="0" g="0" b="0"/>
+      </a:lnRef>
+      <a:fillRef idx="3">
+        <a:scrgbClr r="0" g="0" b="0"/>
+      </a:fillRef>
+      <a:effectRef idx="2">
+        <a:scrgbClr r="0" g="0" b="0"/>
+      </a:effectRef>
+      <a:fontRef idx="minor">
+        <a:schemeClr val="lt1"/>
+      </a:fontRef>
+    </dgm:style>
+  </dgm:styleLbl>
+  <dgm:styleLbl name="parChTrans2D3">
+    <dgm:scene3d>
+      <a:camera prst="orthographicFront"/>
+      <a:lightRig rig="threePt" dir="t"/>
+    </dgm:scene3d>
+    <dgm:sp3d/>
+    <dgm:txPr/>
+    <dgm:style>
+      <a:lnRef idx="1">
+        <a:scrgbClr r="0" g="0" b="0"/>
+      </a:lnRef>
+      <a:fillRef idx="3">
+        <a:scrgbClr r="0" g="0" b="0"/>
+      </a:fillRef>
+      <a:effectRef idx="2">
+        <a:scrgbClr r="0" g="0" b="0"/>
+      </a:effectRef>
+      <a:fontRef idx="minor">
+        <a:schemeClr val="lt1"/>
+      </a:fontRef>
+    </dgm:style>
+  </dgm:styleLbl>
+  <dgm:styleLbl name="parChTrans2D4">
+    <dgm:scene3d>
+      <a:camera prst="orthographicFront"/>
+      <a:lightRig rig="threePt" dir="t"/>
+    </dgm:scene3d>
+    <dgm:sp3d/>
+    <dgm:txPr/>
+    <dgm:style>
+      <a:lnRef idx="1">
+        <a:scrgbClr r="0" g="0" b="0"/>
+      </a:lnRef>
+      <a:fillRef idx="3">
+        <a:scrgbClr r="0" g="0" b="0"/>
+      </a:fillRef>
+      <a:effectRef idx="2">
+        <a:scrgbClr r="0" g="0" b="0"/>
+      </a:effectRef>
+      <a:fontRef idx="minor">
+        <a:schemeClr val="lt1"/>
+      </a:fontRef>
+    </dgm:style>
+  </dgm:styleLbl>
+  <dgm:styleLbl name="parChTrans1D1">
+    <dgm:scene3d>
+      <a:camera prst="orthographicFront"/>
+      <a:lightRig rig="threePt" dir="t"/>
+    </dgm:scene3d>
+    <dgm:sp3d/>
+    <dgm:txPr/>
+    <dgm:style>
+      <a:lnRef idx="1">
+        <a:scrgbClr r="0" g="0" b="0"/>
+      </a:lnRef>
+      <a:fillRef idx="0">
+        <a:scrgbClr r="0" g="0" b="0"/>
+      </a:fillRef>
+      <a:effectRef idx="0">
+        <a:scrgbClr r="0" g="0" b="0"/>
+      </a:effectRef>
+      <a:fontRef idx="minor"/>
+    </dgm:style>
+  </dgm:styleLbl>
+  <dgm:styleLbl name="parChTrans1D2">
+    <dgm:scene3d>
+      <a:camera prst="orthographicFront"/>
+      <a:lightRig rig="threePt" dir="t"/>
+    </dgm:scene3d>
+    <dgm:sp3d/>
+    <dgm:txPr/>
+    <dgm:style>
+      <a:lnRef idx="1">
+        <a:scrgbClr r="0" g="0" b="0"/>
+      </a:lnRef>
+      <a:fillRef idx="0">
+        <a:scrgbClr r="0" g="0" b="0"/>
+      </a:fillRef>
+      <a:effectRef idx="0">
+        <a:scrgbClr r="0" g="0" b="0"/>
+      </a:effectRef>
+      <a:fontRef idx="minor"/>
+    </dgm:style>
+  </dgm:styleLbl>
+  <dgm:styleLbl name="parChTrans1D3">
+    <dgm:scene3d>
+      <a:camera prst="orthographicFront"/>
+      <a:lightRig rig="threePt" dir="t"/>
+    </dgm:scene3d>
+    <dgm:sp3d/>
+    <dgm:txPr/>
+    <dgm:style>
+      <a:lnRef idx="1">
+        <a:scrgbClr r="0" g="0" b="0"/>
+      </a:lnRef>
+      <a:fillRef idx="0">
+        <a:scrgbClr r="0" g="0" b="0"/>
+      </a:fillRef>
+      <a:effectRef idx="0">
+        <a:scrgbClr r="0" g="0" b="0"/>
+      </a:effectRef>
+      <a:fontRef idx="minor"/>
+    </dgm:style>
+  </dgm:styleLbl>
+  <dgm:styleLbl name="parChTrans1D4">
+    <dgm:scene3d>
+      <a:camera prst="orthographicFront"/>
+      <a:lightRig rig="threePt" dir="t"/>
+    </dgm:scene3d>
+    <dgm:sp3d/>
+    <dgm:txPr/>
+    <dgm:style>
+      <a:lnRef idx="1">
+        <a:scrgbClr r="0" g="0" b="0"/>
+      </a:lnRef>
+      <a:fillRef idx="0">
+        <a:scrgbClr r="0" g="0" b="0"/>
+      </a:fillRef>
+      <a:effectRef idx="0">
+        <a:scrgbClr r="0" g="0" b="0"/>
+      </a:effectRef>
+      <a:fontRef idx="minor"/>
+    </dgm:style>
+  </dgm:styleLbl>
+  <dgm:styleLbl name="fgAcc1">
+    <dgm:scene3d>
+      <a:camera prst="orthographicFront"/>
+      <a:lightRig rig="threePt" dir="t"/>
+    </dgm:scene3d>
+    <dgm:sp3d/>
+    <dgm:txPr/>
+    <dgm:style>
+      <a:lnRef idx="1">
+        <a:scrgbClr r="0" g="0" b="0"/>
+      </a:lnRef>
+      <a:fillRef idx="1">
+        <a:scrgbClr r="0" g="0" b="0"/>
+      </a:fillRef>
+      <a:effectRef idx="0">
+        <a:scrgbClr r="0" g="0" b="0"/>
+      </a:effectRef>
+      <a:fontRef idx="minor"/>
+    </dgm:style>
+  </dgm:styleLbl>
+  <dgm:styleLbl name="conFgAcc1">
+    <dgm:scene3d>
+      <a:camera prst="orthographicFront"/>
+      <a:lightRig rig="threePt" dir="t"/>
+    </dgm:scene3d>
+    <dgm:sp3d/>
+    <dgm:txPr/>
+    <dgm:style>
+      <a:lnRef idx="1">
+        <a:scrgbClr r="0" g="0" b="0"/>
+      </a:lnRef>
+      <a:fillRef idx="1">
+        <a:scrgbClr r="0" g="0" b="0"/>
+      </a:fillRef>
+      <a:effectRef idx="0">
+        <a:scrgbClr r="0" g="0" b="0"/>
+      </a:effectRef>
+      <a:fontRef idx="minor"/>
+    </dgm:style>
+  </dgm:styleLbl>
+  <dgm:styleLbl name="alignAcc1">
+    <dgm:scene3d>
+      <a:camera prst="orthographicFront"/>
+      <a:lightRig rig="threePt" dir="t"/>
+    </dgm:scene3d>
+    <dgm:sp3d/>
+    <dgm:txPr/>
+    <dgm:style>
+      <a:lnRef idx="1">
+        <a:scrgbClr r="0" g="0" b="0"/>
+      </a:lnRef>
+      <a:fillRef idx="1">
+        <a:scrgbClr r="0" g="0" b="0"/>
+      </a:fillRef>
+      <a:effectRef idx="0">
+        <a:scrgbClr r="0" g="0" b="0"/>
+      </a:effectRef>
+      <a:fontRef idx="minor"/>
+    </dgm:style>
+  </dgm:styleLbl>
+  <dgm:styleLbl name="trAlignAcc1">
+    <dgm:scene3d>
+      <a:camera prst="orthographicFront"/>
+      <a:lightRig rig="threePt" dir="t"/>
+    </dgm:scene3d>
+    <dgm:sp3d/>
+    <dgm:txPr/>
+    <dgm:style>
+      <a:lnRef idx="1">
+        <a:scrgbClr r="0" g="0" b="0"/>
+      </a:lnRef>
+      <a:fillRef idx="1">
+        <a:scrgbClr r="0" g="0" b="0"/>
+      </a:fillRef>
+      <a:effectRef idx="0">
+        <a:scrgbClr r="0" g="0" b="0"/>
+      </a:effectRef>
+      <a:fontRef idx="minor"/>
+    </dgm:style>
+  </dgm:styleLbl>
+  <dgm:styleLbl name="bgAcc1">
+    <dgm:scene3d>
+      <a:camera prst="orthographicFront"/>
+      <a:lightRig rig="threePt" dir="t"/>
+    </dgm:scene3d>
+    <dgm:sp3d/>
+    <dgm:txPr/>
+    <dgm:style>
+      <a:lnRef idx="1">
+        <a:scrgbClr r="0" g="0" b="0"/>
+      </a:lnRef>
+      <a:fillRef idx="1">
+        <a:scrgbClr r="0" g="0" b="0"/>
+      </a:fillRef>
+      <a:effectRef idx="0">
+        <a:scrgbClr r="0" g="0" b="0"/>
+      </a:effectRef>
+      <a:fontRef idx="minor"/>
+    </dgm:style>
+  </dgm:styleLbl>
+  <dgm:styleLbl name="solidFgAcc1">
+    <dgm:scene3d>
+      <a:camera prst="orthographicFront"/>
+      <a:lightRig rig="threePt" dir="t"/>
+    </dgm:scene3d>
+    <dgm:sp3d/>
+    <dgm:txPr/>
+    <dgm:style>
+      <a:lnRef idx="1">
+        <a:scrgbClr r="0" g="0" b="0"/>
+      </a:lnRef>
+      <a:fillRef idx="1">
+        <a:scrgbClr r="0" g="0" b="0"/>
+      </a:fillRef>
+      <a:effectRef idx="0">
+        <a:scrgbClr r="0" g="0" b="0"/>
+      </a:effectRef>
+      <a:fontRef idx="minor"/>
+    </dgm:style>
+  </dgm:styleLbl>
+  <dgm:styleLbl name="solidAlignAcc1">
+    <dgm:scene3d>
+      <a:camera prst="orthographicFront"/>
+      <a:lightRig rig="threePt" dir="t"/>
+    </dgm:scene3d>
+    <dgm:sp3d/>
+    <dgm:txPr/>
+    <dgm:style>
+      <a:lnRef idx="1">
+        <a:scrgbClr r="0" g="0" b="0"/>
+      </a:lnRef>
+      <a:fillRef idx="1">
+        <a:scrgbClr r="0" g="0" b="0"/>
+      </a:fillRef>
+      <a:effectRef idx="0">
+        <a:scrgbClr r="0" g="0" b="0"/>
+      </a:effectRef>
+      <a:fontRef idx="minor"/>
+    </dgm:style>
+  </dgm:styleLbl>
+  <dgm:styleLbl name="solidBgAcc1">
+    <dgm:scene3d>
+      <a:camera prst="orthographicFront"/>
+      <a:lightRig rig="threePt" dir="t"/>
+    </dgm:scene3d>
+    <dgm:sp3d/>
+    <dgm:txPr/>
+    <dgm:style>
+      <a:lnRef idx="1">
+        <a:scrgbClr r="0" g="0" b="0"/>
+      </a:lnRef>
+      <a:fillRef idx="1">
+        <a:scrgbClr r="0" g="0" b="0"/>
+      </a:fillRef>
+      <a:effectRef idx="0">
+        <a:scrgbClr r="0" g="0" b="0"/>
+      </a:effectRef>
+      <a:fontRef idx="minor"/>
+    </dgm:style>
+  </dgm:styleLbl>
+  <dgm:styleLbl name="fgAccFollowNode1">
+    <dgm:scene3d>
+      <a:camera prst="orthographicFront"/>
+      <a:lightRig rig="threePt" dir="t"/>
+    </dgm:scene3d>
+    <dgm:sp3d/>
+    <dgm:txPr/>
+    <dgm:style>
+      <a:lnRef idx="1">
+        <a:scrgbClr r="0" g="0" b="0"/>
+      </a:lnRef>
+      <a:fillRef idx="1">
+        <a:scrgbClr r="0" g="0" b="0"/>
+      </a:fillRef>
+      <a:effectRef idx="0">
+        <a:scrgbClr r="0" g="0" b="0"/>
+      </a:effectRef>
+      <a:fontRef idx="minor"/>
+    </dgm:style>
+  </dgm:styleLbl>
+  <dgm:styleLbl name="alignAccFollowNode1">
+    <dgm:scene3d>
+      <a:camera prst="orthographicFront"/>
+      <a:lightRig rig="threePt" dir="t"/>
+    </dgm:scene3d>
+    <dgm:sp3d/>
+    <dgm:txPr/>
+    <dgm:style>
+      <a:lnRef idx="1">
+        <a:scrgbClr r="0" g="0" b="0"/>
+      </a:lnRef>
+      <a:fillRef idx="1">
+        <a:scrgbClr r="0" g="0" b="0"/>
+      </a:fillRef>
+      <a:effectRef idx="0">
+        <a:scrgbClr r="0" g="0" b="0"/>
+      </a:effectRef>
+      <a:fontRef idx="minor"/>
+    </dgm:style>
+  </dgm:styleLbl>
+  <dgm:styleLbl name="bgAccFollowNode1">
+    <dgm:scene3d>
+      <a:camera prst="orthographicFront"/>
+      <a:lightRig rig="threePt" dir="t"/>
+    </dgm:scene3d>
+    <dgm:sp3d/>
+    <dgm:txPr/>
+    <dgm:style>
+      <a:lnRef idx="1">
+        <a:scrgbClr r="0" g="0" b="0"/>
+      </a:lnRef>
+      <a:fillRef idx="1">
+        <a:scrgbClr r="0" g="0" b="0"/>
+      </a:fillRef>
+      <a:effectRef idx="0">
+        <a:scrgbClr r="0" g="0" b="0"/>
+      </a:effectRef>
+      <a:fontRef idx="minor"/>
+    </dgm:style>
+  </dgm:styleLbl>
+  <dgm:styleLbl name="fgAcc0">
+    <dgm:scene3d>
+      <a:camera prst="orthographicFront"/>
+      <a:lightRig rig="threePt" dir="t"/>
+    </dgm:scene3d>
+    <dgm:sp3d/>
+    <dgm:txPr/>
+    <dgm:style>
+      <a:lnRef idx="1">
+        <a:scrgbClr r="0" g="0" b="0"/>
+      </a:lnRef>
+      <a:fillRef idx="1">
+        <a:scrgbClr r="0" g="0" b="0"/>
+      </a:fillRef>
+      <a:effectRef idx="0">
+        <a:scrgbClr r="0" g="0" b="0"/>
+      </a:effectRef>
+      <a:fontRef idx="minor"/>
+    </dgm:style>
+  </dgm:styleLbl>
+  <dgm:styleLbl name="fgAcc2">
+    <dgm:scene3d>
+      <a:camera prst="orthographicFront"/>
+      <a:lightRig rig="threePt" dir="t"/>
+    </dgm:scene3d>
+    <dgm:sp3d/>
+    <dgm:txPr/>
+    <dgm:style>
+      <a:lnRef idx="1">
+        <a:scrgbClr r="0" g="0" b="0"/>
+      </a:lnRef>
+      <a:fillRef idx="1">
+        <a:scrgbClr r="0" g="0" b="0"/>
+      </a:fillRef>
+      <a:effectRef idx="0">
+        <a:scrgbClr r="0" g="0" b="0"/>
+      </a:effectRef>
+      <a:fontRef idx="minor"/>
+    </dgm:style>
+  </dgm:styleLbl>
+  <dgm:styleLbl name="fgAcc3">
+    <dgm:scene3d>
+      <a:camera prst="orthographicFront"/>
+      <a:lightRig rig="threePt" dir="t"/>
+    </dgm:scene3d>
+    <dgm:sp3d/>
+    <dgm:txPr/>
+    <dgm:style>
+      <a:lnRef idx="1">
+        <a:scrgbClr r="0" g="0" b="0"/>
+      </a:lnRef>
+      <a:fillRef idx="1">
+        <a:scrgbClr r="0" g="0" b="0"/>
+      </a:fillRef>
+      <a:effectRef idx="0">
+        <a:scrgbClr r="0" g="0" b="0"/>
+      </a:effectRef>
+      <a:fontRef idx="minor"/>
+    </dgm:style>
+  </dgm:styleLbl>
+  <dgm:styleLbl name="fgAcc4">
+    <dgm:scene3d>
+      <a:camera prst="orthographicFront"/>
+      <a:lightRig rig="threePt" dir="t"/>
+    </dgm:scene3d>
+    <dgm:sp3d/>
+    <dgm:txPr/>
+    <dgm:style>
+      <a:lnRef idx="1">
+        <a:scrgbClr r="0" g="0" b="0"/>
+      </a:lnRef>
+      <a:fillRef idx="1">
+        <a:scrgbClr r="0" g="0" b="0"/>
+      </a:fillRef>
+      <a:effectRef idx="0">
+        <a:scrgbClr r="0" g="0" b="0"/>
+      </a:effectRef>
+      <a:fontRef idx="minor"/>
+    </dgm:style>
+  </dgm:styleLbl>
+  <dgm:styleLbl name="bgShp">
+    <dgm:scene3d>
+      <a:camera prst="orthographicFront"/>
+      <a:lightRig rig="threePt" dir="t"/>
+    </dgm:scene3d>
+    <dgm:sp3d/>
+    <dgm:txPr/>
+    <dgm:style>
+      <a:lnRef idx="0">
+        <a:scrgbClr r="0" g="0" b="0"/>
+      </a:lnRef>
+      <a:fillRef idx="1">
+        <a:scrgbClr r="0" g="0" b="0"/>
+      </a:fillRef>
+      <a:effectRef idx="2">
+        <a:scrgbClr r="0" g="0" b="0"/>
+      </a:effectRef>
+      <a:fontRef idx="minor"/>
+    </dgm:style>
+  </dgm:styleLbl>
+  <dgm:styleLbl name="dkBgShp">
+    <dgm:scene3d>
+      <a:camera prst="orthographicFront"/>
+      <a:lightRig rig="threePt" dir="t"/>
+    </dgm:scene3d>
+    <dgm:sp3d/>
+    <dgm:txPr/>
+    <dgm:style>
+      <a:lnRef idx="0">
+        <a:scrgbClr r="0" g="0" b="0"/>
+      </a:lnRef>
+      <a:fillRef idx="1">
+        <a:scrgbClr r="0" g="0" b="0"/>
+      </a:fillRef>
+      <a:effectRef idx="2">
+        <a:scrgbClr r="0" g="0" b="0"/>
+      </a:effectRef>
+      <a:fontRef idx="minor"/>
+    </dgm:style>
+  </dgm:styleLbl>
+  <dgm:styleLbl name="trBgShp">
+    <dgm:scene3d>
+      <a:camera prst="orthographicFront"/>
+      <a:lightRig rig="threePt" dir="t"/>
+    </dgm:scene3d>
+    <dgm:sp3d/>
+    <dgm:txPr/>
+    <dgm:style>
+      <a:lnRef idx="0">
+        <a:scrgbClr r="0" g="0" b="0"/>
+      </a:lnRef>
+      <a:fillRef idx="1">
+        <a:scrgbClr r="0" g="0" b="0"/>
+      </a:fillRef>
+      <a:effectRef idx="0">
+        <a:scrgbClr r="0" g="0" b="0"/>
+      </a:effectRef>
+      <a:fontRef idx="minor"/>
+    </dgm:style>
+  </dgm:styleLbl>
+  <dgm:styleLbl name="fgShp">
+    <dgm:scene3d>
+      <a:camera prst="orthographicFront"/>
+      <a:lightRig rig="threePt" dir="t"/>
+    </dgm:scene3d>
+    <dgm:sp3d/>
+    <dgm:txPr/>
+    <dgm:style>
+      <a:lnRef idx="0">
+        <a:scrgbClr r="0" g="0" b="0"/>
+      </a:lnRef>
+      <a:fillRef idx="3">
+        <a:scrgbClr r="0" g="0" b="0"/>
+      </a:fillRef>
+      <a:effectRef idx="2">
+        <a:scrgbClr r="0" g="0" b="0"/>
+      </a:effectRef>
+      <a:fontRef idx="minor"/>
+    </dgm:style>
+  </dgm:styleLbl>
+  <dgm:styleLbl name="revTx">
+    <dgm:scene3d>
+      <a:camera prst="orthographicFront"/>
+      <a:lightRig rig="threePt" dir="t"/>
+    </dgm:scene3d>
+    <dgm:sp3d/>
+    <dgm:txPr/>
+    <dgm:style>
+      <a:lnRef idx="0">
+        <a:scrgbClr r="0" g="0" b="0"/>
+      </a:lnRef>
+      <a:fillRef idx="0">
+        <a:scrgbClr r="0" g="0" b="0"/>
+      </a:fillRef>
+      <a:effectRef idx="0">
+        <a:scrgbClr r="0" g="0" b="0"/>
+      </a:effectRef>
+      <a:fontRef idx="minor"/>
+    </dgm:style>
+  </dgm:styleLbl>
+</dgm:styleDef>
 </file>
 
 <file path=ppt/handoutMasters/handoutMaster1.xml><?xml version="1.0" encoding="utf-8"?>
@@ -8727,11 +11271,11 @@
             </a:pPr>
             <a:r>
               <a:rPr lang="en-US" altLang="zh-TW" dirty="0" smtClean="0"/>
-              <a:t>Print out all employee names and sales in reverse </a:t>
-            </a:r>
-            <a:r>
-              <a:rPr lang="en-US" altLang="zh-TW" dirty="0" smtClean="0"/>
-              <a:t>order</a:t>
+              <a:t>Print out all employee names and sales in </a:t>
+            </a:r>
+            <a:r>
+              <a:rPr lang="en-US" altLang="zh-TW" b="1" dirty="0" smtClean="0"/>
+              <a:t>reverse order</a:t>
             </a:r>
           </a:p>
           <a:p>
@@ -8746,10 +11290,13 @@
               <a:defRPr/>
             </a:pPr>
             <a:r>
+              <a:rPr lang="en-US" altLang="zh-TW" b="1" dirty="0" smtClean="0"/>
+              <a:t>Count</a:t>
+            </a:r>
+            <a:r>
               <a:rPr lang="en-US" altLang="zh-TW" dirty="0" smtClean="0"/>
-              <a:t>Count  how many students passed 300</a:t>
-            </a:r>
-            <a:endParaRPr lang="en-US" altLang="zh-TW" dirty="0" smtClean="0"/>
+              <a:t>  how many students passed 300</a:t>
+            </a:r>
           </a:p>
           <a:p>
             <a:pPr fontAlgn="auto">
@@ -8767,20 +11314,28 @@
               <a:t>Find </a:t>
             </a:r>
             <a:r>
+              <a:rPr lang="en-US" altLang="zh-TW" b="1" dirty="0" smtClean="0"/>
+              <a:t>highest</a:t>
+            </a:r>
+            <a:r>
               <a:rPr lang="en-US" altLang="zh-TW" dirty="0" smtClean="0"/>
-              <a:t>highest </a:t>
+              <a:t> sales, </a:t>
+            </a:r>
+            <a:r>
+              <a:rPr lang="en-US" altLang="zh-TW" b="1" dirty="0" smtClean="0"/>
+              <a:t>lowest</a:t>
             </a:r>
             <a:r>
               <a:rPr lang="en-US" altLang="zh-TW" dirty="0" smtClean="0"/>
-              <a:t>sales, lowest </a:t>
-            </a:r>
-            <a:r>
-              <a:rPr lang="en-US" altLang="zh-TW" dirty="0" smtClean="0"/>
-              <a:t>sales, </a:t>
+              <a:t> sales, </a:t>
+            </a:r>
+            <a:r>
+              <a:rPr lang="en-US" altLang="zh-TW" b="1" dirty="0"/>
+              <a:t>average</a:t>
             </a:r>
             <a:r>
               <a:rPr lang="en-US" altLang="zh-TW" dirty="0"/>
-              <a:t>average </a:t>
+              <a:t> </a:t>
             </a:r>
             <a:r>
               <a:rPr lang="en-US" altLang="zh-TW" dirty="0" smtClean="0"/>
@@ -8788,7 +11343,15 @@
             </a:r>
             <a:r>
               <a:rPr lang="en-US" altLang="zh-TW" dirty="0"/>
-              <a:t> , total sales</a:t>
+              <a:t> , </a:t>
+            </a:r>
+            <a:r>
+              <a:rPr lang="en-US" altLang="zh-TW" b="1" dirty="0"/>
+              <a:t>total</a:t>
+            </a:r>
+            <a:r>
+              <a:rPr lang="en-US" altLang="zh-TW" dirty="0"/>
+              <a:t> sales</a:t>
             </a:r>
             <a:endParaRPr lang="en-US" altLang="zh-TW" dirty="0" smtClean="0"/>
           </a:p>
@@ -8805,7 +11368,11 @@
             </a:pPr>
             <a:r>
               <a:rPr lang="en-US" altLang="zh-TW" dirty="0" smtClean="0"/>
-              <a:t>Find out the name of the employee who has sales lower than 300</a:t>
+              <a:t>Find out the name of the employee who has sales </a:t>
+            </a:r>
+            <a:r>
+              <a:rPr lang="en-US" altLang="zh-TW" b="1" dirty="0" smtClean="0"/>
+              <a:t>lower than 300</a:t>
             </a:r>
           </a:p>
           <a:p>
@@ -8837,15 +11404,7 @@
             </a:pPr>
             <a:r>
               <a:rPr lang="en-US" altLang="zh-TW" dirty="0" smtClean="0"/>
-              <a:t>If </a:t>
-            </a:r>
-            <a:r>
-              <a:rPr lang="en-US" altLang="zh-TW" dirty="0" smtClean="0"/>
-              <a:t>sales&lt;300</a:t>
-            </a:r>
-            <a:r>
-              <a:rPr lang="en-US" altLang="zh-TW" dirty="0" smtClean="0"/>
-              <a:t>, salary=sales/2.</a:t>
+              <a:t>If sales&lt;300, salary=sales/2.</a:t>
             </a:r>
           </a:p>
           <a:p>
@@ -8861,23 +11420,41 @@
             </a:pPr>
             <a:r>
               <a:rPr lang="en-US" altLang="zh-TW" dirty="0" smtClean="0"/>
-              <a:t>If </a:t>
-            </a:r>
-            <a:r>
-              <a:rPr lang="en-US" altLang="zh-TW" smtClean="0"/>
-              <a:t>sales</a:t>
-            </a:r>
-            <a:r>
-              <a:rPr lang="en-US" altLang="zh-TW" smtClean="0"/>
-              <a:t>&gt;=300</a:t>
-            </a:r>
-            <a:r>
-              <a:rPr lang="en-US" altLang="zh-TW" dirty="0" smtClean="0"/>
-              <a:t>, salary=sales*60%</a:t>
-            </a:r>
-          </a:p>
-        </p:txBody>
-      </p:sp>
+              <a:t>If sales&gt;=300, salary=sales*60%</a:t>
+            </a:r>
+          </a:p>
+        </p:txBody>
+      </p:sp>
+      <p:pic>
+        <p:nvPicPr>
+          <p:cNvPr id="4" name="圖片 1"/>
+          <p:cNvPicPr>
+            <a:picLocks noChangeAspect="1"/>
+          </p:cNvPicPr>
+          <p:nvPr/>
+        </p:nvPicPr>
+        <p:blipFill>
+          <a:blip r:embed="rId2" cstate="print">
+            <a:extLst>
+              <a:ext uri="{28A0092B-C50C-407E-A947-70E740481C1C}">
+                <a14:useLocalDpi xmlns:a14="http://schemas.microsoft.com/office/drawing/2010/main" val="0"/>
+              </a:ext>
+            </a:extLst>
+          </a:blip>
+          <a:stretch>
+            <a:fillRect/>
+          </a:stretch>
+        </p:blipFill>
+        <p:spPr>
+          <a:xfrm>
+            <a:off x="5868144" y="4797152"/>
+            <a:ext cx="2202457" cy="1690563"/>
+          </a:xfrm>
+          <a:prstGeom prst="rect">
+            <a:avLst/>
+          </a:prstGeom>
+        </p:spPr>
+      </p:pic>
     </p:spTree>
   </p:cSld>
   <p:clrMapOvr>
@@ -9089,6 +11666,28 @@
           </a:p>
         </p:txBody>
       </p:sp>
+      <p:graphicFrame>
+        <p:nvGraphicFramePr>
+          <p:cNvPr id="2" name="Diagram 1"/>
+          <p:cNvGraphicFramePr/>
+          <p:nvPr>
+            <p:extLst>
+              <p:ext uri="{D42A27DB-BD31-4B8C-83A1-F6EECF244321}">
+                <p14:modId xmlns:p14="http://schemas.microsoft.com/office/powerpoint/2010/main" val="1841747267"/>
+              </p:ext>
+            </p:extLst>
+          </p:nvPr>
+        </p:nvGraphicFramePr>
+        <p:xfrm>
+          <a:off x="6293356" y="1397000"/>
+          <a:ext cx="2903984" cy="1743968"/>
+        </p:xfrm>
+        <a:graphic>
+          <a:graphicData uri="http://schemas.openxmlformats.org/drawingml/2006/diagram">
+            <dgm:relIds xmlns:dgm="http://schemas.openxmlformats.org/drawingml/2006/diagram" xmlns:r="http://schemas.openxmlformats.org/officeDocument/2006/relationships" r:dm="rId2" r:lo="rId3" r:qs="rId4" r:cs="rId5"/>
+          </a:graphicData>
+        </a:graphic>
+      </p:graphicFrame>
     </p:spTree>
   </p:cSld>
   <p:clrMapOvr>
